--- a/ppt/Presentation_hivrid.pptx
+++ b/ppt/Presentation_hivrid.pptx
@@ -5,7 +5,7 @@
     <p:sldMasterId id="2147483660" r:id="rId1"/>
   </p:sldMasterIdLst>
   <p:notesMasterIdLst>
-    <p:notesMasterId r:id="rId10"/>
+    <p:notesMasterId r:id="rId11"/>
   </p:notesMasterIdLst>
   <p:sldIdLst>
     <p:sldId id="256" r:id="rId2"/>
@@ -15,7 +15,8 @@
     <p:sldId id="265" r:id="rId6"/>
     <p:sldId id="267" r:id="rId7"/>
     <p:sldId id="262" r:id="rId8"/>
-    <p:sldId id="266" r:id="rId9"/>
+    <p:sldId id="268" r:id="rId9"/>
+    <p:sldId id="266" r:id="rId10"/>
   </p:sldIdLst>
   <p:sldSz cx="12192000" cy="6858000"/>
   <p:notesSz cx="6858000" cy="9144000"/>
@@ -204,7 +205,7 @@
           <a:p>
             <a:fld id="{421947BD-FCDD-1544-92F1-58D9B6E74EF4}" type="datetimeFigureOut">
               <a:rPr lang="en-US" smtClean="0"/>
-              <a:t>12/12/16</a:t>
+              <a:t>12/13/16</a:t>
             </a:fld>
             <a:endParaRPr lang="en-US"/>
           </a:p>
@@ -957,7 +958,91 @@
           <a:p>
             <a:fld id="{3FC485E7-877A-4849-A22A-04454DF8A820}" type="slidenum">
               <a:rPr lang="en-US" smtClean="0"/>
-              <a:t>8</a:t>
+              <a:t>7</a:t>
+            </a:fld>
+            <a:endParaRPr lang="en-US"/>
+          </a:p>
+        </p:txBody>
+      </p:sp>
+    </p:spTree>
+    <p:extLst>
+      <p:ext uri="{BB962C8B-B14F-4D97-AF65-F5344CB8AC3E}">
+        <p14:creationId xmlns:p14="http://schemas.microsoft.com/office/powerpoint/2010/main" val="242371912"/>
+      </p:ext>
+    </p:extLst>
+  </p:cSld>
+  <p:clrMapOvr>
+    <a:masterClrMapping/>
+  </p:clrMapOvr>
+</p:notes>
+</file>
+
+<file path=ppt/notesSlides/notesSlide7.xml><?xml version="1.0" encoding="utf-8"?>
+<p:notes xmlns:a="http://schemas.openxmlformats.org/drawingml/2006/main" xmlns:r="http://schemas.openxmlformats.org/officeDocument/2006/relationships" xmlns:p="http://schemas.openxmlformats.org/presentationml/2006/main">
+  <p:cSld>
+    <p:spTree>
+      <p:nvGrpSpPr>
+        <p:cNvPr id="1" name=""/>
+        <p:cNvGrpSpPr/>
+        <p:nvPr/>
+      </p:nvGrpSpPr>
+      <p:grpSpPr>
+        <a:xfrm>
+          <a:off x="0" y="0"/>
+          <a:ext cx="0" cy="0"/>
+          <a:chOff x="0" y="0"/>
+          <a:chExt cx="0" cy="0"/>
+        </a:xfrm>
+      </p:grpSpPr>
+      <p:sp>
+        <p:nvSpPr>
+          <p:cNvPr id="2" name="Slide Image Placeholder 1"/>
+          <p:cNvSpPr>
+            <a:spLocks noGrp="1" noRot="1" noChangeAspect="1"/>
+          </p:cNvSpPr>
+          <p:nvPr>
+            <p:ph type="sldImg"/>
+          </p:nvPr>
+        </p:nvSpPr>
+        <p:spPr/>
+      </p:sp>
+      <p:sp>
+        <p:nvSpPr>
+          <p:cNvPr id="3" name="Notes Placeholder 2"/>
+          <p:cNvSpPr>
+            <a:spLocks noGrp="1"/>
+          </p:cNvSpPr>
+          <p:nvPr>
+            <p:ph type="body" idx="1"/>
+          </p:nvPr>
+        </p:nvSpPr>
+        <p:spPr/>
+        <p:txBody>
+          <a:bodyPr/>
+          <a:lstStyle/>
+          <a:p>
+            <a:endParaRPr lang="en-US" dirty="0"/>
+          </a:p>
+        </p:txBody>
+      </p:sp>
+      <p:sp>
+        <p:nvSpPr>
+          <p:cNvPr id="4" name="Slide Number Placeholder 3"/>
+          <p:cNvSpPr>
+            <a:spLocks noGrp="1"/>
+          </p:cNvSpPr>
+          <p:nvPr>
+            <p:ph type="sldNum" sz="quarter" idx="10"/>
+          </p:nvPr>
+        </p:nvSpPr>
+        <p:spPr/>
+        <p:txBody>
+          <a:bodyPr/>
+          <a:lstStyle/>
+          <a:p>
+            <a:fld id="{3FC485E7-877A-4849-A22A-04454DF8A820}" type="slidenum">
+              <a:rPr lang="en-US" smtClean="0"/>
+              <a:t>9</a:t>
             </a:fld>
             <a:endParaRPr lang="en-US"/>
           </a:p>
@@ -1107,7 +1192,7 @@
           <a:p>
             <a:fld id="{034D05EE-0391-1E4B-B037-C1AAAC49336B}" type="datetimeFigureOut">
               <a:rPr lang="en-US" smtClean="0"/>
-              <a:t>12/12/16</a:t>
+              <a:t>12/13/16</a:t>
             </a:fld>
             <a:endParaRPr lang="en-US"/>
           </a:p>
@@ -1277,7 +1362,7 @@
           <a:p>
             <a:fld id="{034D05EE-0391-1E4B-B037-C1AAAC49336B}" type="datetimeFigureOut">
               <a:rPr lang="en-US" smtClean="0"/>
-              <a:t>12/12/16</a:t>
+              <a:t>12/13/16</a:t>
             </a:fld>
             <a:endParaRPr lang="en-US"/>
           </a:p>
@@ -1457,7 +1542,7 @@
           <a:p>
             <a:fld id="{034D05EE-0391-1E4B-B037-C1AAAC49336B}" type="datetimeFigureOut">
               <a:rPr lang="en-US" smtClean="0"/>
-              <a:t>12/12/16</a:t>
+              <a:t>12/13/16</a:t>
             </a:fld>
             <a:endParaRPr lang="en-US"/>
           </a:p>
@@ -1627,7 +1712,7 @@
           <a:p>
             <a:fld id="{034D05EE-0391-1E4B-B037-C1AAAC49336B}" type="datetimeFigureOut">
               <a:rPr lang="en-US" smtClean="0"/>
-              <a:t>12/12/16</a:t>
+              <a:t>12/13/16</a:t>
             </a:fld>
             <a:endParaRPr lang="en-US"/>
           </a:p>
@@ -1873,7 +1958,7 @@
           <a:p>
             <a:fld id="{034D05EE-0391-1E4B-B037-C1AAAC49336B}" type="datetimeFigureOut">
               <a:rPr lang="en-US" smtClean="0"/>
-              <a:t>12/12/16</a:t>
+              <a:t>12/13/16</a:t>
             </a:fld>
             <a:endParaRPr lang="en-US"/>
           </a:p>
@@ -2105,7 +2190,7 @@
           <a:p>
             <a:fld id="{034D05EE-0391-1E4B-B037-C1AAAC49336B}" type="datetimeFigureOut">
               <a:rPr lang="en-US" smtClean="0"/>
-              <a:t>12/12/16</a:t>
+              <a:t>12/13/16</a:t>
             </a:fld>
             <a:endParaRPr lang="en-US"/>
           </a:p>
@@ -2472,7 +2557,7 @@
           <a:p>
             <a:fld id="{034D05EE-0391-1E4B-B037-C1AAAC49336B}" type="datetimeFigureOut">
               <a:rPr lang="en-US" smtClean="0"/>
-              <a:t>12/12/16</a:t>
+              <a:t>12/13/16</a:t>
             </a:fld>
             <a:endParaRPr lang="en-US"/>
           </a:p>
@@ -2590,7 +2675,7 @@
           <a:p>
             <a:fld id="{034D05EE-0391-1E4B-B037-C1AAAC49336B}" type="datetimeFigureOut">
               <a:rPr lang="en-US" smtClean="0"/>
-              <a:t>12/12/16</a:t>
+              <a:t>12/13/16</a:t>
             </a:fld>
             <a:endParaRPr lang="en-US"/>
           </a:p>
@@ -2685,7 +2770,7 @@
           <a:p>
             <a:fld id="{034D05EE-0391-1E4B-B037-C1AAAC49336B}" type="datetimeFigureOut">
               <a:rPr lang="en-US" smtClean="0"/>
-              <a:t>12/12/16</a:t>
+              <a:t>12/13/16</a:t>
             </a:fld>
             <a:endParaRPr lang="en-US"/>
           </a:p>
@@ -2962,7 +3047,7 @@
           <a:p>
             <a:fld id="{034D05EE-0391-1E4B-B037-C1AAAC49336B}" type="datetimeFigureOut">
               <a:rPr lang="en-US" smtClean="0"/>
-              <a:t>12/12/16</a:t>
+              <a:t>12/13/16</a:t>
             </a:fld>
             <a:endParaRPr lang="en-US"/>
           </a:p>
@@ -3219,7 +3304,7 @@
           <a:p>
             <a:fld id="{034D05EE-0391-1E4B-B037-C1AAAC49336B}" type="datetimeFigureOut">
               <a:rPr lang="en-US" smtClean="0"/>
-              <a:t>12/12/16</a:t>
+              <a:t>12/13/16</a:t>
             </a:fld>
             <a:endParaRPr lang="en-US"/>
           </a:p>
@@ -3432,7 +3517,7 @@
           <a:p>
             <a:fld id="{034D05EE-0391-1E4B-B037-C1AAAC49336B}" type="datetimeFigureOut">
               <a:rPr lang="en-US" smtClean="0"/>
-              <a:t>12/12/16</a:t>
+              <a:t>12/13/16</a:t>
             </a:fld>
             <a:endParaRPr lang="en-US"/>
           </a:p>
@@ -4305,15 +4390,7 @@
             </a:r>
             <a:r>
               <a:rPr lang="en-US" altLang="ko-KR" dirty="0" smtClean="0"/>
-              <a:t>(</a:t>
-            </a:r>
-            <a:r>
-              <a:rPr lang="en-US" altLang="ko-KR" dirty="0" smtClean="0"/>
-              <a:t>TX 1</a:t>
-            </a:r>
-            <a:r>
-              <a:rPr lang="en-US" altLang="ko-KR" dirty="0" smtClean="0"/>
-              <a:t>)</a:t>
+              <a:t>(TX 1)</a:t>
             </a:r>
             <a:r>
               <a:rPr lang="ko-KR" altLang="en-US" dirty="0" smtClean="0"/>
@@ -4321,11 +4398,7 @@
             </a:r>
             <a:r>
               <a:rPr lang="en-US" altLang="ko-KR" dirty="0" smtClean="0"/>
-              <a:t>-</a:t>
-            </a:r>
-            <a:r>
-              <a:rPr lang="en-US" altLang="ko-KR" dirty="0" smtClean="0"/>
-              <a:t>UART</a:t>
+              <a:t>-UART</a:t>
             </a:r>
             <a:endParaRPr lang="en-US" dirty="0"/>
           </a:p>
@@ -5237,8 +5310,8 @@
           <a:lstStyle/>
           <a:p>
             <a:r>
-              <a:rPr lang="ko-KR" altLang="en-US" dirty="0" smtClean="0"/>
-              <a:t>시연</a:t>
+              <a:rPr lang="en-US" dirty="0" smtClean="0"/>
+              <a:t>YOUTUBE</a:t>
             </a:r>
             <a:endParaRPr lang="en-US" dirty="0"/>
           </a:p>
@@ -5260,25 +5333,20 @@
           <a:lstStyle/>
           <a:p>
             <a:r>
-              <a:rPr lang="ko-KR" altLang="en-US" dirty="0" smtClean="0"/>
-              <a:t>유투브 </a:t>
-            </a:r>
-            <a:r>
-              <a:rPr lang="ko-KR" altLang="en-US" dirty="0" smtClean="0"/>
-              <a:t>동영상</a:t>
-            </a:r>
-            <a:endParaRPr lang="ko-KR" altLang="en-US" dirty="0"/>
-          </a:p>
-          <a:p>
+              <a:rPr lang="en-US" dirty="0" smtClean="0">
+                <a:hlinkClick r:id="rId3"/>
+              </a:rPr>
+              <a:t>https</a:t>
+            </a:r>
             <a:r>
               <a:rPr lang="en-US" dirty="0">
-                <a:hlinkClick r:id="rId2"/>
+                <a:hlinkClick r:id="rId3"/>
               </a:rPr>
-              <a:t>https://</a:t>
+              <a:t>://</a:t>
             </a:r>
             <a:r>
               <a:rPr lang="en-US" dirty="0" smtClean="0">
-                <a:hlinkClick r:id="rId2"/>
+                <a:hlinkClick r:id="rId3"/>
               </a:rPr>
               <a:t>www.youtube.com/watch?v=Q83aIwn69yk</a:t>
             </a:r>
@@ -5310,6 +5378,72 @@
 </file>
 
 <file path=ppt/slides/slide8.xml><?xml version="1.0" encoding="utf-8"?>
+<p:sld xmlns:a="http://schemas.openxmlformats.org/drawingml/2006/main" xmlns:r="http://schemas.openxmlformats.org/officeDocument/2006/relationships" xmlns:p="http://schemas.openxmlformats.org/presentationml/2006/main">
+  <p:cSld>
+    <p:spTree>
+      <p:nvGrpSpPr>
+        <p:cNvPr id="1" name=""/>
+        <p:cNvGrpSpPr/>
+        <p:nvPr/>
+      </p:nvGrpSpPr>
+      <p:grpSpPr>
+        <a:xfrm>
+          <a:off x="0" y="0"/>
+          <a:ext cx="0" cy="0"/>
+          <a:chOff x="0" y="0"/>
+          <a:chExt cx="0" cy="0"/>
+        </a:xfrm>
+      </p:grpSpPr>
+      <p:sp>
+        <p:nvSpPr>
+          <p:cNvPr id="2" name="Title 1"/>
+          <p:cNvSpPr>
+            <a:spLocks noGrp="1"/>
+          </p:cNvSpPr>
+          <p:nvPr>
+            <p:ph type="title"/>
+          </p:nvPr>
+        </p:nvSpPr>
+        <p:spPr>
+          <a:xfrm>
+            <a:off x="838200" y="2386427"/>
+            <a:ext cx="10515600" cy="1325563"/>
+          </a:xfrm>
+        </p:spPr>
+        <p:txBody>
+          <a:bodyPr/>
+          <a:lstStyle/>
+          <a:p>
+            <a:pPr algn="ctr"/>
+            <a:r>
+              <a:rPr lang="ko-KR" altLang="en-US" dirty="0" smtClean="0"/>
+              <a:t>시연</a:t>
+            </a:r>
+            <a:endParaRPr lang="en-US" dirty="0"/>
+          </a:p>
+        </p:txBody>
+      </p:sp>
+    </p:spTree>
+    <p:extLst>
+      <p:ext uri="{BB962C8B-B14F-4D97-AF65-F5344CB8AC3E}">
+        <p14:creationId xmlns:p14="http://schemas.microsoft.com/office/powerpoint/2010/main" val="977308848"/>
+      </p:ext>
+    </p:extLst>
+  </p:cSld>
+  <p:clrMapOvr>
+    <a:masterClrMapping/>
+  </p:clrMapOvr>
+  <p:timing>
+    <p:tnLst>
+      <p:par>
+        <p:cTn id="1" dur="indefinite" restart="never" nodeType="tmRoot"/>
+      </p:par>
+    </p:tnLst>
+  </p:timing>
+</p:sld>
+</file>
+
+<file path=ppt/slides/slide9.xml><?xml version="1.0" encoding="utf-8"?>
 <p:sld xmlns:a="http://schemas.openxmlformats.org/drawingml/2006/main" xmlns:r="http://schemas.openxmlformats.org/officeDocument/2006/relationships" xmlns:p="http://schemas.openxmlformats.org/presentationml/2006/main">
   <p:cSld>
     <p:spTree>

--- a/ppt/Presentation_hivrid.pptx
+++ b/ppt/Presentation_hivrid.pptx
@@ -4718,10 +4718,10 @@
           <a:lstStyle/>
           <a:p>
             <a:r>
-              <a:rPr lang="en-US" smtClean="0"/>
-              <a:t>TX!</a:t>
-            </a:r>
-            <a:endParaRPr lang="en-US"/>
+              <a:rPr lang="en-US" dirty="0" smtClean="0"/>
+              <a:t>TX1</a:t>
+            </a:r>
+            <a:endParaRPr lang="en-US" dirty="0"/>
           </a:p>
         </p:txBody>
       </p:sp>
@@ -4886,6 +4886,13 @@
   <p:clrMapOvr>
     <a:masterClrMapping/>
   </p:clrMapOvr>
+  <p:timing>
+    <p:tnLst>
+      <p:par>
+        <p:cTn id="1" dur="indefinite" restart="never" nodeType="tmRoot"/>
+      </p:par>
+    </p:tnLst>
+  </p:timing>
 </p:sld>
 </file>
 

--- a/ppt/Presentation_hivrid.pptx
+++ b/ppt/Presentation_hivrid.pptx
@@ -3984,13 +3984,25 @@
               <a:t>Hiv_rid</a:t>
             </a:r>
             <a:r>
-              <a:rPr lang="en-US" dirty="0" smtClean="0"/>
+              <a:rPr lang="en-US" dirty="0" smtClean="0">
+                <a:latin typeface="Nanum Gothic" charset="-127"/>
+                <a:ea typeface="Nanum Gothic" charset="-127"/>
+                <a:cs typeface="Nanum Gothic" charset="-127"/>
+              </a:rPr>
               <a:t/>
             </a:r>
             <a:br>
-              <a:rPr lang="en-US" dirty="0" smtClean="0"/>
+              <a:rPr lang="en-US" dirty="0" smtClean="0">
+                <a:latin typeface="Nanum Gothic" charset="-127"/>
+                <a:ea typeface="Nanum Gothic" charset="-127"/>
+                <a:cs typeface="Nanum Gothic" charset="-127"/>
+              </a:rPr>
             </a:br>
-            <a:endParaRPr lang="en-US" dirty="0"/>
+            <a:endParaRPr lang="en-US" dirty="0">
+              <a:latin typeface="Nanum Gothic" charset="-127"/>
+              <a:ea typeface="Nanum Gothic" charset="-127"/>
+              <a:cs typeface="Nanum Gothic" charset="-127"/>
+            </a:endParaRPr>
           </a:p>
         </p:txBody>
       </p:sp>
@@ -4009,18 +4021,34 @@
           <a:bodyPr/>
           <a:lstStyle/>
           <a:p>
-            <a:endParaRPr lang="ko-KR" altLang="en-US" dirty="0" smtClean="0"/>
-          </a:p>
-          <a:p>
-            <a:r>
-              <a:rPr lang="en-US" dirty="0" smtClean="0"/>
+            <a:endParaRPr lang="ko-KR" altLang="en-US" dirty="0" smtClean="0">
+              <a:latin typeface="Nanum Gothic" charset="-127"/>
+              <a:ea typeface="Nanum Gothic" charset="-127"/>
+              <a:cs typeface="Nanum Gothic" charset="-127"/>
+            </a:endParaRPr>
+          </a:p>
+          <a:p>
+            <a:r>
+              <a:rPr lang="en-US" dirty="0" smtClean="0">
+                <a:latin typeface="Nanum Gothic" charset="-127"/>
+                <a:ea typeface="Nanum Gothic" charset="-127"/>
+                <a:cs typeface="Nanum Gothic" charset="-127"/>
+              </a:rPr>
               <a:t>2015136111 </a:t>
             </a:r>
             <a:r>
-              <a:rPr lang="ko-KR" altLang="en-US" dirty="0" smtClean="0"/>
+              <a:rPr lang="ko-KR" altLang="en-US" dirty="0" smtClean="0">
+                <a:latin typeface="Nanum Gothic" charset="-127"/>
+                <a:ea typeface="Nanum Gothic" charset="-127"/>
+                <a:cs typeface="Nanum Gothic" charset="-127"/>
+              </a:rPr>
               <a:t>임세정</a:t>
             </a:r>
-            <a:endParaRPr lang="en-US" dirty="0"/>
+            <a:endParaRPr lang="en-US" dirty="0">
+              <a:latin typeface="Nanum Gothic" charset="-127"/>
+              <a:ea typeface="Nanum Gothic" charset="-127"/>
+              <a:cs typeface="Nanum Gothic" charset="-127"/>
+            </a:endParaRPr>
           </a:p>
         </p:txBody>
       </p:sp>
@@ -4077,18 +4105,34 @@
           <a:lstStyle/>
           <a:p>
             <a:r>
-              <a:rPr lang="ko-KR" altLang="en-US" dirty="0" smtClean="0"/>
+              <a:rPr lang="ko-KR" altLang="en-US" dirty="0" smtClean="0">
+                <a:latin typeface="Nanum Gothic" charset="-127"/>
+                <a:ea typeface="Nanum Gothic" charset="-127"/>
+                <a:cs typeface="Nanum Gothic" charset="-127"/>
+              </a:rPr>
               <a:t>주제 </a:t>
             </a:r>
             <a:r>
-              <a:rPr lang="en-US" altLang="ko-KR" dirty="0" smtClean="0"/>
+              <a:rPr lang="en-US" altLang="ko-KR" dirty="0" smtClean="0">
+                <a:latin typeface="Nanum Gothic" charset="-127"/>
+                <a:ea typeface="Nanum Gothic" charset="-127"/>
+                <a:cs typeface="Nanum Gothic" charset="-127"/>
+              </a:rPr>
               <a:t>/</a:t>
             </a:r>
             <a:r>
-              <a:rPr lang="ko-KR" altLang="en-US" dirty="0" smtClean="0"/>
+              <a:rPr lang="ko-KR" altLang="en-US" dirty="0" smtClean="0">
+                <a:latin typeface="Nanum Gothic" charset="-127"/>
+                <a:ea typeface="Nanum Gothic" charset="-127"/>
+                <a:cs typeface="Nanum Gothic" charset="-127"/>
+              </a:rPr>
               <a:t> 목표</a:t>
             </a:r>
-            <a:endParaRPr lang="en-US" dirty="0"/>
+            <a:endParaRPr lang="en-US" dirty="0">
+              <a:latin typeface="Nanum Gothic" charset="-127"/>
+              <a:ea typeface="Nanum Gothic" charset="-127"/>
+              <a:cs typeface="Nanum Gothic" charset="-127"/>
+            </a:endParaRPr>
           </a:p>
         </p:txBody>
       </p:sp>
@@ -4108,14 +4152,26 @@
           <a:lstStyle/>
           <a:p>
             <a:r>
-              <a:rPr lang="ko-KR" altLang="en-US" dirty="0" smtClean="0"/>
+              <a:rPr lang="ko-KR" altLang="en-US" dirty="0" smtClean="0">
+                <a:latin typeface="Nanum Gothic" charset="-127"/>
+                <a:ea typeface="Nanum Gothic" charset="-127"/>
+                <a:cs typeface="Nanum Gothic" charset="-127"/>
+              </a:rPr>
               <a:t>아두이노를 이용하여 음악 및 영상 프로그램을 조작할 수 있는 미디 컨트롤러를 만든다</a:t>
             </a:r>
             <a:r>
-              <a:rPr lang="en-US" altLang="ko-KR" dirty="0" smtClean="0"/>
+              <a:rPr lang="en-US" altLang="ko-KR" dirty="0" smtClean="0">
+                <a:latin typeface="Nanum Gothic" charset="-127"/>
+                <a:ea typeface="Nanum Gothic" charset="-127"/>
+                <a:cs typeface="Nanum Gothic" charset="-127"/>
+              </a:rPr>
               <a:t>.</a:t>
             </a:r>
-            <a:endParaRPr lang="en-US" dirty="0"/>
+            <a:endParaRPr lang="en-US" dirty="0">
+              <a:latin typeface="Nanum Gothic" charset="-127"/>
+              <a:ea typeface="Nanum Gothic" charset="-127"/>
+              <a:cs typeface="Nanum Gothic" charset="-127"/>
+            </a:endParaRPr>
           </a:p>
         </p:txBody>
       </p:sp>
@@ -4158,7 +4214,7 @@
         <p:spPr>
           <a:xfrm>
             <a:off x="1214888" y="5992297"/>
-            <a:ext cx="3076676" cy="369332"/>
+            <a:ext cx="3373039" cy="369332"/>
           </a:xfrm>
           <a:prstGeom prst="rect">
             <a:avLst/>
@@ -4172,18 +4228,34 @@
           <a:lstStyle/>
           <a:p>
             <a:r>
-              <a:rPr lang="en-US" dirty="0" smtClean="0"/>
+              <a:rPr lang="en-US" dirty="0" smtClean="0">
+                <a:latin typeface="Nanum Gothic" charset="-127"/>
+                <a:ea typeface="Nanum Gothic" charset="-127"/>
+                <a:cs typeface="Nanum Gothic" charset="-127"/>
+              </a:rPr>
               <a:t>Livid instruments</a:t>
             </a:r>
             <a:r>
-              <a:rPr lang="ko-KR" altLang="en-US" dirty="0" smtClean="0"/>
+              <a:rPr lang="ko-KR" altLang="en-US" dirty="0" smtClean="0">
+                <a:latin typeface="Nanum Gothic" charset="-127"/>
+                <a:ea typeface="Nanum Gothic" charset="-127"/>
+                <a:cs typeface="Nanum Gothic" charset="-127"/>
+              </a:rPr>
               <a:t>  사의 </a:t>
             </a:r>
             <a:r>
-              <a:rPr lang="en-US" altLang="ko-KR" dirty="0" smtClean="0"/>
+              <a:rPr lang="en-US" altLang="ko-KR" dirty="0" smtClean="0">
+                <a:latin typeface="Nanum Gothic" charset="-127"/>
+                <a:ea typeface="Nanum Gothic" charset="-127"/>
+                <a:cs typeface="Nanum Gothic" charset="-127"/>
+              </a:rPr>
               <a:t>ohm64</a:t>
             </a:r>
-            <a:endParaRPr lang="en-US" dirty="0"/>
+            <a:endParaRPr lang="en-US" dirty="0">
+              <a:latin typeface="Nanum Gothic" charset="-127"/>
+              <a:ea typeface="Nanum Gothic" charset="-127"/>
+              <a:cs typeface="Nanum Gothic" charset="-127"/>
+            </a:endParaRPr>
           </a:p>
         </p:txBody>
       </p:sp>
@@ -4226,7 +4298,7 @@
         <p:spPr>
           <a:xfrm>
             <a:off x="7594378" y="5942568"/>
-            <a:ext cx="1735668" cy="369332"/>
+            <a:ext cx="1914307" cy="369332"/>
           </a:xfrm>
           <a:prstGeom prst="rect">
             <a:avLst/>
@@ -4240,18 +4312,34 @@
           <a:lstStyle/>
           <a:p>
             <a:r>
-              <a:rPr lang="en-US" dirty="0" smtClean="0"/>
+              <a:rPr lang="en-US" dirty="0" smtClean="0">
+                <a:latin typeface="Nanum Gothic" charset="-127"/>
+                <a:ea typeface="Nanum Gothic" charset="-127"/>
+                <a:cs typeface="Nanum Gothic" charset="-127"/>
+              </a:rPr>
               <a:t>Akai </a:t>
             </a:r>
             <a:r>
-              <a:rPr lang="ko-KR" altLang="en-US" dirty="0" smtClean="0"/>
+              <a:rPr lang="ko-KR" altLang="en-US" dirty="0" smtClean="0">
+                <a:latin typeface="Nanum Gothic" charset="-127"/>
+                <a:ea typeface="Nanum Gothic" charset="-127"/>
+                <a:cs typeface="Nanum Gothic" charset="-127"/>
+              </a:rPr>
               <a:t>사의 </a:t>
             </a:r>
             <a:r>
-              <a:rPr lang="en-US" altLang="ko-KR" dirty="0" smtClean="0"/>
+              <a:rPr lang="en-US" altLang="ko-KR" dirty="0" smtClean="0">
+                <a:latin typeface="Nanum Gothic" charset="-127"/>
+                <a:ea typeface="Nanum Gothic" charset="-127"/>
+                <a:cs typeface="Nanum Gothic" charset="-127"/>
+              </a:rPr>
               <a:t>Apc40</a:t>
             </a:r>
-            <a:endParaRPr lang="en-US" dirty="0"/>
+            <a:endParaRPr lang="en-US" dirty="0">
+              <a:latin typeface="Nanum Gothic" charset="-127"/>
+              <a:ea typeface="Nanum Gothic" charset="-127"/>
+              <a:cs typeface="Nanum Gothic" charset="-127"/>
+            </a:endParaRPr>
           </a:p>
         </p:txBody>
       </p:sp>
@@ -4308,10 +4396,18 @@
           <a:lstStyle/>
           <a:p>
             <a:r>
-              <a:rPr lang="ko-KR" altLang="en-US" dirty="0" smtClean="0"/>
+              <a:rPr lang="ko-KR" altLang="en-US" dirty="0" smtClean="0">
+                <a:latin typeface="Nanum Gothic" charset="-127"/>
+                <a:ea typeface="Nanum Gothic" charset="-127"/>
+                <a:cs typeface="Nanum Gothic" charset="-127"/>
+              </a:rPr>
               <a:t>기능</a:t>
             </a:r>
-            <a:endParaRPr lang="en-US" dirty="0"/>
+            <a:endParaRPr lang="en-US" dirty="0">
+              <a:latin typeface="Nanum Gothic" charset="-127"/>
+              <a:ea typeface="Nanum Gothic" charset="-127"/>
+              <a:cs typeface="Nanum Gothic" charset="-127"/>
+            </a:endParaRPr>
           </a:p>
         </p:txBody>
       </p:sp>
@@ -4331,19 +4427,35 @@
           <a:lstStyle/>
           <a:p>
             <a:r>
-              <a:rPr lang="en-US" dirty="0" smtClean="0"/>
+              <a:rPr lang="en-US" dirty="0" smtClean="0">
+                <a:latin typeface="Nanum Gothic" charset="-127"/>
+                <a:ea typeface="Nanum Gothic" charset="-127"/>
+                <a:cs typeface="Nanum Gothic" charset="-127"/>
+              </a:rPr>
               <a:t>10</a:t>
             </a:r>
             <a:r>
-              <a:rPr lang="ko-KR" altLang="en-US" dirty="0" smtClean="0"/>
+              <a:rPr lang="ko-KR" altLang="en-US" dirty="0" smtClean="0">
+                <a:latin typeface="Nanum Gothic" charset="-127"/>
+                <a:ea typeface="Nanum Gothic" charset="-127"/>
+                <a:cs typeface="Nanum Gothic" charset="-127"/>
+              </a:rPr>
               <a:t>개의 버튼을 이용해 </a:t>
             </a:r>
             <a:r>
-              <a:rPr lang="en-US" altLang="ko-KR" dirty="0" smtClean="0"/>
+              <a:rPr lang="en-US" altLang="ko-KR" dirty="0" smtClean="0">
+                <a:latin typeface="Nanum Gothic" charset="-127"/>
+                <a:ea typeface="Nanum Gothic" charset="-127"/>
+                <a:cs typeface="Nanum Gothic" charset="-127"/>
+              </a:rPr>
               <a:t>MIDI note</a:t>
             </a:r>
             <a:r>
-              <a:rPr lang="ko-KR" altLang="en-US" dirty="0" smtClean="0"/>
+              <a:rPr lang="ko-KR" altLang="en-US" dirty="0" smtClean="0">
+                <a:latin typeface="Nanum Gothic" charset="-127"/>
+                <a:ea typeface="Nanum Gothic" charset="-127"/>
+                <a:cs typeface="Nanum Gothic" charset="-127"/>
+              </a:rPr>
               <a:t>값 출력 </a:t>
             </a:r>
           </a:p>
@@ -4351,56 +4463,112 @@
             <a:pPr marL="0" indent="0">
               <a:buNone/>
             </a:pPr>
-            <a:endParaRPr lang="ko-KR" altLang="en-US" dirty="0" smtClean="0"/>
-          </a:p>
-          <a:p>
-            <a:r>
-              <a:rPr lang="en-US" altLang="ko-KR" dirty="0" smtClean="0"/>
+            <a:endParaRPr lang="ko-KR" altLang="en-US" dirty="0" smtClean="0">
+              <a:latin typeface="Nanum Gothic" charset="-127"/>
+              <a:ea typeface="Nanum Gothic" charset="-127"/>
+              <a:cs typeface="Nanum Gothic" charset="-127"/>
+            </a:endParaRPr>
+          </a:p>
+          <a:p>
+            <a:r>
+              <a:rPr lang="en-US" altLang="ko-KR" dirty="0" smtClean="0">
+                <a:latin typeface="Nanum Gothic" charset="-127"/>
+                <a:ea typeface="Nanum Gothic" charset="-127"/>
+                <a:cs typeface="Nanum Gothic" charset="-127"/>
+              </a:rPr>
               <a:t>3</a:t>
             </a:r>
             <a:r>
-              <a:rPr lang="ko-KR" altLang="en-US" dirty="0" smtClean="0"/>
+              <a:rPr lang="ko-KR" altLang="en-US" dirty="0" smtClean="0">
+                <a:latin typeface="Nanum Gothic" charset="-127"/>
+                <a:ea typeface="Nanum Gothic" charset="-127"/>
+                <a:cs typeface="Nanum Gothic" charset="-127"/>
+              </a:rPr>
               <a:t>개의 포텐셜미터를 이용해 </a:t>
             </a:r>
             <a:r>
-              <a:rPr lang="en-US" altLang="ko-KR" dirty="0" smtClean="0"/>
-              <a:t>MIDI CC(</a:t>
-            </a:r>
-            <a:r>
-              <a:rPr lang="en-US" altLang="ko-KR" dirty="0" err="1" smtClean="0"/>
-              <a:t>continous</a:t>
-            </a:r>
-            <a:r>
-              <a:rPr lang="en-US" altLang="ko-KR" dirty="0" smtClean="0"/>
-              <a:t> controller)</a:t>
-            </a:r>
-            <a:r>
-              <a:rPr lang="ko-KR" altLang="en-US" dirty="0" smtClean="0"/>
+              <a:rPr lang="en-US" altLang="ko-KR" dirty="0" smtClean="0">
+                <a:latin typeface="Nanum Gothic" charset="-127"/>
+                <a:ea typeface="Nanum Gothic" charset="-127"/>
+                <a:cs typeface="Nanum Gothic" charset="-127"/>
+              </a:rPr>
+              <a:t>MIDI </a:t>
+            </a:r>
+            <a:r>
+              <a:rPr lang="en-US" altLang="ko-KR" dirty="0" smtClean="0">
+                <a:latin typeface="Nanum Gothic" charset="-127"/>
+                <a:ea typeface="Nanum Gothic" charset="-127"/>
+                <a:cs typeface="Nanum Gothic" charset="-127"/>
+              </a:rPr>
+              <a:t>CC(continuous </a:t>
+            </a:r>
+            <a:r>
+              <a:rPr lang="en-US" altLang="ko-KR" dirty="0" smtClean="0">
+                <a:latin typeface="Nanum Gothic" charset="-127"/>
+                <a:ea typeface="Nanum Gothic" charset="-127"/>
+                <a:cs typeface="Nanum Gothic" charset="-127"/>
+              </a:rPr>
+              <a:t>controller)</a:t>
+            </a:r>
+            <a:r>
+              <a:rPr lang="ko-KR" altLang="en-US" dirty="0" smtClean="0">
+                <a:latin typeface="Nanum Gothic" charset="-127"/>
+                <a:ea typeface="Nanum Gothic" charset="-127"/>
+                <a:cs typeface="Nanum Gothic" charset="-127"/>
+              </a:rPr>
               <a:t> 값 출력</a:t>
             </a:r>
-            <a:endParaRPr lang="en-US" altLang="ko-KR" dirty="0" smtClean="0"/>
-          </a:p>
-          <a:p>
-            <a:endParaRPr lang="en-US" dirty="0"/>
-          </a:p>
-          <a:p>
-            <a:r>
-              <a:rPr lang="ko-KR" altLang="en-US" dirty="0" smtClean="0"/>
+            <a:endParaRPr lang="en-US" altLang="ko-KR" dirty="0" smtClean="0">
+              <a:latin typeface="Nanum Gothic" charset="-127"/>
+              <a:ea typeface="Nanum Gothic" charset="-127"/>
+              <a:cs typeface="Nanum Gothic" charset="-127"/>
+            </a:endParaRPr>
+          </a:p>
+          <a:p>
+            <a:endParaRPr lang="en-US" dirty="0">
+              <a:latin typeface="Nanum Gothic" charset="-127"/>
+              <a:ea typeface="Nanum Gothic" charset="-127"/>
+              <a:cs typeface="Nanum Gothic" charset="-127"/>
+            </a:endParaRPr>
+          </a:p>
+          <a:p>
+            <a:r>
+              <a:rPr lang="ko-KR" altLang="en-US" dirty="0" smtClean="0">
+                <a:latin typeface="Nanum Gothic" charset="-127"/>
+                <a:ea typeface="Nanum Gothic" charset="-127"/>
+                <a:cs typeface="Nanum Gothic" charset="-127"/>
+              </a:rPr>
               <a:t>시리얼 아웃</a:t>
             </a:r>
             <a:r>
-              <a:rPr lang="en-US" altLang="ko-KR" dirty="0" smtClean="0"/>
+              <a:rPr lang="en-US" altLang="ko-KR" dirty="0" smtClean="0">
+                <a:latin typeface="Nanum Gothic" charset="-127"/>
+                <a:ea typeface="Nanum Gothic" charset="-127"/>
+                <a:cs typeface="Nanum Gothic" charset="-127"/>
+              </a:rPr>
               <a:t>(TX 1)</a:t>
             </a:r>
             <a:r>
-              <a:rPr lang="ko-KR" altLang="en-US" dirty="0" smtClean="0"/>
+              <a:rPr lang="ko-KR" altLang="en-US" dirty="0" smtClean="0">
+                <a:latin typeface="Nanum Gothic" charset="-127"/>
+                <a:ea typeface="Nanum Gothic" charset="-127"/>
+                <a:cs typeface="Nanum Gothic" charset="-127"/>
+              </a:rPr>
               <a:t> 을 통해 미디 신호를 송출</a:t>
             </a:r>
             <a:r>
-              <a:rPr lang="en-US" altLang="ko-KR" dirty="0" smtClean="0"/>
+              <a:rPr lang="en-US" altLang="ko-KR" dirty="0" smtClean="0">
+                <a:latin typeface="Nanum Gothic" charset="-127"/>
+                <a:ea typeface="Nanum Gothic" charset="-127"/>
+                <a:cs typeface="Nanum Gothic" charset="-127"/>
+              </a:rPr>
               <a:t>-UART</a:t>
             </a:r>
-            <a:endParaRPr lang="en-US" dirty="0"/>
+            <a:endParaRPr lang="en-US" dirty="0">
+              <a:latin typeface="Nanum Gothic" charset="-127"/>
+              <a:ea typeface="Nanum Gothic" charset="-127"/>
+              <a:cs typeface="Nanum Gothic" charset="-127"/>
+            </a:endParaRPr>
           </a:p>
         </p:txBody>
       </p:sp>
@@ -4457,10 +4625,18 @@
           <a:lstStyle/>
           <a:p>
             <a:r>
-              <a:rPr lang="ko-KR" altLang="en-US" dirty="0" smtClean="0"/>
+              <a:rPr lang="ko-KR" altLang="en-US" dirty="0" smtClean="0">
+                <a:latin typeface="Nanum Gothic" charset="-127"/>
+                <a:ea typeface="Nanum Gothic" charset="-127"/>
+                <a:cs typeface="Nanum Gothic" charset="-127"/>
+              </a:rPr>
               <a:t>구성도</a:t>
             </a:r>
-            <a:endParaRPr lang="en-US" dirty="0"/>
+            <a:endParaRPr lang="en-US" dirty="0">
+              <a:latin typeface="Nanum Gothic" charset="-127"/>
+              <a:ea typeface="Nanum Gothic" charset="-127"/>
+              <a:cs typeface="Nanum Gothic" charset="-127"/>
+            </a:endParaRPr>
           </a:p>
         </p:txBody>
       </p:sp>
@@ -4502,7 +4678,7 @@
         <p:spPr>
           <a:xfrm>
             <a:off x="6001864" y="1690688"/>
-            <a:ext cx="2041136" cy="553998"/>
+            <a:ext cx="2321469" cy="553998"/>
           </a:xfrm>
           <a:prstGeom prst="rect">
             <a:avLst/>
@@ -4516,10 +4692,18 @@
           <a:lstStyle/>
           <a:p>
             <a:r>
-              <a:rPr lang="en-US" sz="3000" dirty="0" smtClean="0"/>
+              <a:rPr lang="en-US" sz="3000" dirty="0" smtClean="0">
+                <a:latin typeface="Nanum Gothic" charset="-127"/>
+                <a:ea typeface="Nanum Gothic" charset="-127"/>
+                <a:cs typeface="Nanum Gothic" charset="-127"/>
+              </a:rPr>
               <a:t>5 pin socket</a:t>
             </a:r>
-            <a:endParaRPr lang="en-US" sz="3000" dirty="0"/>
+            <a:endParaRPr lang="en-US" sz="3000" dirty="0">
+              <a:latin typeface="Nanum Gothic" charset="-127"/>
+              <a:ea typeface="Nanum Gothic" charset="-127"/>
+              <a:cs typeface="Nanum Gothic" charset="-127"/>
+            </a:endParaRPr>
           </a:p>
         </p:txBody>
       </p:sp>
@@ -4546,10 +4730,18 @@
           <a:lstStyle/>
           <a:p>
             <a:r>
-              <a:rPr lang="en-US" sz="3000" dirty="0" smtClean="0"/>
+              <a:rPr lang="en-US" sz="3000" dirty="0" smtClean="0">
+                <a:latin typeface="Nanum Gothic" charset="-127"/>
+                <a:ea typeface="Nanum Gothic" charset="-127"/>
+                <a:cs typeface="Nanum Gothic" charset="-127"/>
+              </a:rPr>
               <a:t>MIDI interface</a:t>
             </a:r>
-            <a:endParaRPr lang="en-US" sz="3000" dirty="0"/>
+            <a:endParaRPr lang="en-US" sz="3000" dirty="0">
+              <a:latin typeface="Nanum Gothic" charset="-127"/>
+              <a:ea typeface="Nanum Gothic" charset="-127"/>
+              <a:cs typeface="Nanum Gothic" charset="-127"/>
+            </a:endParaRPr>
           </a:p>
         </p:txBody>
       </p:sp>
@@ -4576,14 +4768,26 @@
           <a:lstStyle/>
           <a:p>
             <a:r>
-              <a:rPr lang="en-US" sz="3000" dirty="0"/>
+              <a:rPr lang="en-US" sz="3000" dirty="0">
+                <a:latin typeface="Nanum Gothic" charset="-127"/>
+                <a:ea typeface="Nanum Gothic" charset="-127"/>
+                <a:cs typeface="Nanum Gothic" charset="-127"/>
+              </a:rPr>
               <a:t>L</a:t>
             </a:r>
             <a:r>
-              <a:rPr lang="en-US" sz="3000" dirty="0" smtClean="0"/>
+              <a:rPr lang="en-US" sz="3000" dirty="0" smtClean="0">
+                <a:latin typeface="Nanum Gothic" charset="-127"/>
+                <a:ea typeface="Nanum Gothic" charset="-127"/>
+                <a:cs typeface="Nanum Gothic" charset="-127"/>
+              </a:rPr>
               <a:t>aptop</a:t>
             </a:r>
-            <a:endParaRPr lang="en-US" sz="3000" dirty="0"/>
+            <a:endParaRPr lang="en-US" sz="3000" dirty="0">
+              <a:latin typeface="Nanum Gothic" charset="-127"/>
+              <a:ea typeface="Nanum Gothic" charset="-127"/>
+              <a:cs typeface="Nanum Gothic" charset="-127"/>
+            </a:endParaRPr>
           </a:p>
         </p:txBody>
       </p:sp>
@@ -4718,10 +4922,18 @@
           <a:lstStyle/>
           <a:p>
             <a:r>
-              <a:rPr lang="en-US" dirty="0" smtClean="0"/>
+              <a:rPr lang="en-US" dirty="0" smtClean="0">
+                <a:latin typeface="Nanum Gothic" charset="-127"/>
+                <a:ea typeface="Nanum Gothic" charset="-127"/>
+                <a:cs typeface="Nanum Gothic" charset="-127"/>
+              </a:rPr>
               <a:t>TX1</a:t>
             </a:r>
-            <a:endParaRPr lang="en-US" dirty="0"/>
+            <a:endParaRPr lang="en-US" dirty="0">
+              <a:latin typeface="Nanum Gothic" charset="-127"/>
+              <a:ea typeface="Nanum Gothic" charset="-127"/>
+              <a:cs typeface="Nanum Gothic" charset="-127"/>
+            </a:endParaRPr>
           </a:p>
         </p:txBody>
       </p:sp>
@@ -4801,48 +5013,92 @@
           <a:lstStyle/>
           <a:p>
             <a:r>
-              <a:rPr lang="ko-KR" altLang="en-US" dirty="0" smtClean="0"/>
+              <a:rPr lang="ko-KR" altLang="en-US" dirty="0" smtClean="0">
+                <a:latin typeface="Nanum Gothic" charset="-127"/>
+                <a:ea typeface="Nanum Gothic" charset="-127"/>
+                <a:cs typeface="Nanum Gothic" charset="-127"/>
+              </a:rPr>
               <a:t>버튼 </a:t>
             </a:r>
             <a:r>
-              <a:rPr lang="en-US" dirty="0" smtClean="0"/>
+              <a:rPr lang="en-US" dirty="0" smtClean="0">
+                <a:latin typeface="Nanum Gothic" charset="-127"/>
+                <a:ea typeface="Nanum Gothic" charset="-127"/>
+                <a:cs typeface="Nanum Gothic" charset="-127"/>
+              </a:rPr>
               <a:t>1~10: C4~E5</a:t>
             </a:r>
             <a:r>
-              <a:rPr lang="ko-KR" altLang="en-US" dirty="0" smtClean="0"/>
+              <a:rPr lang="ko-KR" altLang="en-US" dirty="0" smtClean="0">
+                <a:latin typeface="Nanum Gothic" charset="-127"/>
+                <a:ea typeface="Nanum Gothic" charset="-127"/>
+                <a:cs typeface="Nanum Gothic" charset="-127"/>
+              </a:rPr>
               <a:t>까지 검은 건반을 제외하고 매핑되어있음</a:t>
             </a:r>
           </a:p>
           <a:p>
             <a:r>
-              <a:rPr lang="ko-KR" altLang="en-US" dirty="0" smtClean="0"/>
+              <a:rPr lang="ko-KR" altLang="en-US" dirty="0" smtClean="0">
+                <a:latin typeface="Nanum Gothic" charset="-127"/>
+                <a:ea typeface="Nanum Gothic" charset="-127"/>
+                <a:cs typeface="Nanum Gothic" charset="-127"/>
+              </a:rPr>
               <a:t>포텐셔미터 </a:t>
             </a:r>
             <a:r>
-              <a:rPr lang="en-US" altLang="ko-KR" dirty="0" smtClean="0"/>
+              <a:rPr lang="en-US" altLang="ko-KR" dirty="0" smtClean="0">
+                <a:latin typeface="Nanum Gothic" charset="-127"/>
+                <a:ea typeface="Nanum Gothic" charset="-127"/>
+                <a:cs typeface="Nanum Gothic" charset="-127"/>
+              </a:rPr>
               <a:t>1-3:</a:t>
             </a:r>
             <a:r>
-              <a:rPr lang="ko-KR" altLang="en-US" dirty="0" smtClean="0"/>
+              <a:rPr lang="ko-KR" altLang="en-US" dirty="0" smtClean="0">
+                <a:latin typeface="Nanum Gothic" charset="-127"/>
+                <a:ea typeface="Nanum Gothic" charset="-127"/>
+                <a:cs typeface="Nanum Gothic" charset="-127"/>
+              </a:rPr>
               <a:t> 미디 </a:t>
             </a:r>
             <a:r>
-              <a:rPr lang="en-US" altLang="ko-KR" dirty="0" smtClean="0"/>
+              <a:rPr lang="en-US" altLang="ko-KR" dirty="0" smtClean="0">
+                <a:latin typeface="Nanum Gothic" charset="-127"/>
+                <a:ea typeface="Nanum Gothic" charset="-127"/>
+                <a:cs typeface="Nanum Gothic" charset="-127"/>
+              </a:rPr>
               <a:t>CC</a:t>
             </a:r>
             <a:r>
-              <a:rPr lang="ko-KR" altLang="en-US" dirty="0" smtClean="0"/>
+              <a:rPr lang="ko-KR" altLang="en-US" dirty="0" smtClean="0">
+                <a:latin typeface="Nanum Gothic" charset="-127"/>
+                <a:ea typeface="Nanum Gothic" charset="-127"/>
+                <a:cs typeface="Nanum Gothic" charset="-127"/>
+              </a:rPr>
               <a:t> 값 </a:t>
             </a:r>
             <a:r>
-              <a:rPr lang="en-US" altLang="ko-KR" dirty="0" smtClean="0"/>
+              <a:rPr lang="en-US" altLang="ko-KR" dirty="0" smtClean="0">
+                <a:latin typeface="Nanum Gothic" charset="-127"/>
+                <a:ea typeface="Nanum Gothic" charset="-127"/>
+                <a:cs typeface="Nanum Gothic" charset="-127"/>
+              </a:rPr>
               <a:t>1,10,22</a:t>
             </a:r>
             <a:r>
-              <a:rPr lang="ko-KR" altLang="en-US" dirty="0" smtClean="0"/>
+              <a:rPr lang="ko-KR" altLang="en-US" dirty="0" smtClean="0">
+                <a:latin typeface="Nanum Gothic" charset="-127"/>
+                <a:ea typeface="Nanum Gothic" charset="-127"/>
+                <a:cs typeface="Nanum Gothic" charset="-127"/>
+              </a:rPr>
               <a:t>에 매핑되어 있음</a:t>
             </a:r>
-            <a:endParaRPr lang="en-US" dirty="0"/>
+            <a:endParaRPr lang="en-US" dirty="0">
+              <a:latin typeface="Nanum Gothic" charset="-127"/>
+              <a:ea typeface="Nanum Gothic" charset="-127"/>
+              <a:cs typeface="Nanum Gothic" charset="-127"/>
+            </a:endParaRPr>
           </a:p>
         </p:txBody>
       </p:sp>
@@ -4929,10 +5185,18 @@
           <a:lstStyle/>
           <a:p>
             <a:r>
-              <a:rPr lang="ko-KR" altLang="en-US" dirty="0" smtClean="0"/>
+              <a:rPr lang="ko-KR" altLang="en-US" dirty="0" smtClean="0">
+                <a:latin typeface="Nanum Gothic" charset="-127"/>
+                <a:ea typeface="Nanum Gothic" charset="-127"/>
+                <a:cs typeface="Nanum Gothic" charset="-127"/>
+              </a:rPr>
               <a:t>매핑</a:t>
             </a:r>
-            <a:endParaRPr lang="en-US" dirty="0"/>
+            <a:endParaRPr lang="en-US" dirty="0">
+              <a:latin typeface="Nanum Gothic" charset="-127"/>
+              <a:ea typeface="Nanum Gothic" charset="-127"/>
+              <a:cs typeface="Nanum Gothic" charset="-127"/>
+            </a:endParaRPr>
           </a:p>
         </p:txBody>
       </p:sp>
@@ -4954,169 +5218,345 @@
           <a:lstStyle/>
           <a:p>
             <a:r>
-              <a:rPr lang="en-US" dirty="0" smtClean="0"/>
+              <a:rPr lang="en-US" dirty="0" smtClean="0">
+                <a:latin typeface="Nanum Gothic" charset="-127"/>
+                <a:ea typeface="Nanum Gothic" charset="-127"/>
+                <a:cs typeface="Nanum Gothic" charset="-127"/>
+              </a:rPr>
               <a:t>C4: </a:t>
             </a:r>
             <a:r>
-              <a:rPr lang="ko-KR" altLang="en-US" dirty="0" smtClean="0"/>
+              <a:rPr lang="ko-KR" altLang="en-US" dirty="0" smtClean="0">
+                <a:latin typeface="Nanum Gothic" charset="-127"/>
+                <a:ea typeface="Nanum Gothic" charset="-127"/>
+                <a:cs typeface="Nanum Gothic" charset="-127"/>
+              </a:rPr>
               <a:t>비디오 클립 랜덤 트리거</a:t>
             </a:r>
-            <a:endParaRPr lang="en-US" dirty="0" smtClean="0"/>
-          </a:p>
-          <a:p>
-            <a:r>
-              <a:rPr lang="en-US" dirty="0" smtClean="0"/>
+            <a:endParaRPr lang="en-US" dirty="0" smtClean="0">
+              <a:latin typeface="Nanum Gothic" charset="-127"/>
+              <a:ea typeface="Nanum Gothic" charset="-127"/>
+              <a:cs typeface="Nanum Gothic" charset="-127"/>
+            </a:endParaRPr>
+          </a:p>
+          <a:p>
+            <a:r>
+              <a:rPr lang="en-US" dirty="0" smtClean="0">
+                <a:latin typeface="Nanum Gothic" charset="-127"/>
+                <a:ea typeface="Nanum Gothic" charset="-127"/>
+                <a:cs typeface="Nanum Gothic" charset="-127"/>
+              </a:rPr>
               <a:t>D</a:t>
             </a:r>
             <a:r>
-              <a:rPr lang="en-US" altLang="ko-KR" dirty="0" smtClean="0"/>
+              <a:rPr lang="en-US" altLang="ko-KR" dirty="0" smtClean="0">
+                <a:latin typeface="Nanum Gothic" charset="-127"/>
+                <a:ea typeface="Nanum Gothic" charset="-127"/>
+                <a:cs typeface="Nanum Gothic" charset="-127"/>
+              </a:rPr>
               <a:t>4: zoom blur</a:t>
             </a:r>
-            <a:endParaRPr lang="en-US" dirty="0" smtClean="0"/>
-          </a:p>
-          <a:p>
-            <a:r>
-              <a:rPr lang="en-US" dirty="0" smtClean="0"/>
+            <a:endParaRPr lang="en-US" dirty="0" smtClean="0">
+              <a:latin typeface="Nanum Gothic" charset="-127"/>
+              <a:ea typeface="Nanum Gothic" charset="-127"/>
+              <a:cs typeface="Nanum Gothic" charset="-127"/>
+            </a:endParaRPr>
+          </a:p>
+          <a:p>
+            <a:r>
+              <a:rPr lang="en-US" dirty="0" smtClean="0">
+                <a:latin typeface="Nanum Gothic" charset="-127"/>
+                <a:ea typeface="Nanum Gothic" charset="-127"/>
+                <a:cs typeface="Nanum Gothic" charset="-127"/>
+              </a:rPr>
               <a:t>E</a:t>
             </a:r>
             <a:r>
-              <a:rPr lang="en-US" altLang="ko-KR" dirty="0" smtClean="0"/>
+              <a:rPr lang="en-US" altLang="ko-KR" dirty="0" smtClean="0">
+                <a:latin typeface="Nanum Gothic" charset="-127"/>
+                <a:ea typeface="Nanum Gothic" charset="-127"/>
+                <a:cs typeface="Nanum Gothic" charset="-127"/>
+              </a:rPr>
               <a:t>4:</a:t>
             </a:r>
             <a:r>
-              <a:rPr lang="ko-KR" altLang="en-US" dirty="0" smtClean="0"/>
+              <a:rPr lang="ko-KR" altLang="en-US" dirty="0" smtClean="0">
+                <a:latin typeface="Nanum Gothic" charset="-127"/>
+                <a:ea typeface="Nanum Gothic" charset="-127"/>
+                <a:cs typeface="Nanum Gothic" charset="-127"/>
+              </a:rPr>
               <a:t> </a:t>
             </a:r>
             <a:r>
-              <a:rPr lang="en-US" altLang="ko-KR" dirty="0" smtClean="0"/>
+              <a:rPr lang="en-US" altLang="ko-KR" dirty="0" smtClean="0">
+                <a:latin typeface="Nanum Gothic" charset="-127"/>
+                <a:ea typeface="Nanum Gothic" charset="-127"/>
+                <a:cs typeface="Nanum Gothic" charset="-127"/>
+              </a:rPr>
               <a:t>Reflected tile(</a:t>
             </a:r>
             <a:r>
-              <a:rPr lang="ko-KR" altLang="en-US" dirty="0" smtClean="0"/>
+              <a:rPr lang="ko-KR" altLang="en-US" dirty="0" smtClean="0">
+                <a:latin typeface="Nanum Gothic" charset="-127"/>
+                <a:ea typeface="Nanum Gothic" charset="-127"/>
+                <a:cs typeface="Nanum Gothic" charset="-127"/>
+              </a:rPr>
               <a:t>만화경</a:t>
             </a:r>
             <a:r>
-              <a:rPr lang="en-US" altLang="ko-KR" dirty="0" smtClean="0"/>
+              <a:rPr lang="en-US" altLang="ko-KR" dirty="0" smtClean="0">
+                <a:latin typeface="Nanum Gothic" charset="-127"/>
+                <a:ea typeface="Nanum Gothic" charset="-127"/>
+                <a:cs typeface="Nanum Gothic" charset="-127"/>
+              </a:rPr>
               <a:t>)</a:t>
             </a:r>
             <a:r>
-              <a:rPr lang="ko-KR" altLang="en-US" dirty="0" smtClean="0"/>
+              <a:rPr lang="ko-KR" altLang="en-US" dirty="0" smtClean="0">
+                <a:latin typeface="Nanum Gothic" charset="-127"/>
+                <a:ea typeface="Nanum Gothic" charset="-127"/>
+                <a:cs typeface="Nanum Gothic" charset="-127"/>
+              </a:rPr>
               <a:t> </a:t>
             </a:r>
-            <a:endParaRPr lang="en-US" dirty="0" smtClean="0"/>
-          </a:p>
-          <a:p>
-            <a:r>
-              <a:rPr lang="en-US" dirty="0" smtClean="0"/>
+            <a:endParaRPr lang="en-US" dirty="0" smtClean="0">
+              <a:latin typeface="Nanum Gothic" charset="-127"/>
+              <a:ea typeface="Nanum Gothic" charset="-127"/>
+              <a:cs typeface="Nanum Gothic" charset="-127"/>
+            </a:endParaRPr>
+          </a:p>
+          <a:p>
+            <a:r>
+              <a:rPr lang="en-US" dirty="0" smtClean="0">
+                <a:latin typeface="Nanum Gothic" charset="-127"/>
+                <a:ea typeface="Nanum Gothic" charset="-127"/>
+                <a:cs typeface="Nanum Gothic" charset="-127"/>
+              </a:rPr>
               <a:t>F</a:t>
             </a:r>
             <a:r>
-              <a:rPr lang="en-US" altLang="ko-KR" dirty="0" smtClean="0"/>
+              <a:rPr lang="en-US" altLang="ko-KR" dirty="0" smtClean="0">
+                <a:latin typeface="Nanum Gothic" charset="-127"/>
+                <a:ea typeface="Nanum Gothic" charset="-127"/>
+                <a:cs typeface="Nanum Gothic" charset="-127"/>
+              </a:rPr>
               <a:t>4:</a:t>
             </a:r>
             <a:r>
-              <a:rPr lang="ko-KR" altLang="en-US" dirty="0" smtClean="0"/>
+              <a:rPr lang="ko-KR" altLang="en-US" dirty="0" smtClean="0">
+                <a:latin typeface="Nanum Gothic" charset="-127"/>
+                <a:ea typeface="Nanum Gothic" charset="-127"/>
+                <a:cs typeface="Nanum Gothic" charset="-127"/>
+              </a:rPr>
               <a:t> </a:t>
             </a:r>
             <a:r>
-              <a:rPr lang="en-US" altLang="ko-KR" dirty="0" smtClean="0"/>
+              <a:rPr lang="en-US" altLang="ko-KR" dirty="0" smtClean="0">
+                <a:latin typeface="Nanum Gothic" charset="-127"/>
+                <a:ea typeface="Nanum Gothic" charset="-127"/>
+                <a:cs typeface="Nanum Gothic" charset="-127"/>
+              </a:rPr>
               <a:t>fade</a:t>
             </a:r>
             <a:r>
-              <a:rPr lang="ko-KR" altLang="en-US" dirty="0" smtClean="0"/>
+              <a:rPr lang="ko-KR" altLang="en-US" dirty="0" smtClean="0">
+                <a:latin typeface="Nanum Gothic" charset="-127"/>
+                <a:ea typeface="Nanum Gothic" charset="-127"/>
+                <a:cs typeface="Nanum Gothic" charset="-127"/>
+              </a:rPr>
               <a:t> 모드</a:t>
             </a:r>
-            <a:endParaRPr lang="en-US" dirty="0" smtClean="0"/>
-          </a:p>
-          <a:p>
-            <a:r>
-              <a:rPr lang="en-US" dirty="0" smtClean="0"/>
+            <a:endParaRPr lang="en-US" dirty="0" smtClean="0">
+              <a:latin typeface="Nanum Gothic" charset="-127"/>
+              <a:ea typeface="Nanum Gothic" charset="-127"/>
+              <a:cs typeface="Nanum Gothic" charset="-127"/>
+            </a:endParaRPr>
+          </a:p>
+          <a:p>
+            <a:r>
+              <a:rPr lang="en-US" dirty="0" smtClean="0">
+                <a:latin typeface="Nanum Gothic" charset="-127"/>
+                <a:ea typeface="Nanum Gothic" charset="-127"/>
+                <a:cs typeface="Nanum Gothic" charset="-127"/>
+              </a:rPr>
               <a:t>G</a:t>
             </a:r>
             <a:r>
-              <a:rPr lang="en-US" altLang="ko-KR" dirty="0" smtClean="0"/>
+              <a:rPr lang="en-US" altLang="ko-KR" dirty="0" smtClean="0">
+                <a:latin typeface="Nanum Gothic" charset="-127"/>
+                <a:ea typeface="Nanum Gothic" charset="-127"/>
+                <a:cs typeface="Nanum Gothic" charset="-127"/>
+              </a:rPr>
               <a:t>4: strobe</a:t>
             </a:r>
             <a:r>
-              <a:rPr lang="ko-KR" altLang="en-US" dirty="0" smtClean="0"/>
+              <a:rPr lang="ko-KR" altLang="en-US" dirty="0" smtClean="0">
+                <a:latin typeface="Nanum Gothic" charset="-127"/>
+                <a:ea typeface="Nanum Gothic" charset="-127"/>
+                <a:cs typeface="Nanum Gothic" charset="-127"/>
+              </a:rPr>
               <a:t> 모드</a:t>
             </a:r>
-            <a:endParaRPr lang="en-US" dirty="0" smtClean="0"/>
-          </a:p>
-          <a:p>
-            <a:r>
-              <a:rPr lang="en-US" dirty="0" smtClean="0"/>
+            <a:endParaRPr lang="en-US" dirty="0" smtClean="0">
+              <a:latin typeface="Nanum Gothic" charset="-127"/>
+              <a:ea typeface="Nanum Gothic" charset="-127"/>
+              <a:cs typeface="Nanum Gothic" charset="-127"/>
+            </a:endParaRPr>
+          </a:p>
+          <a:p>
+            <a:r>
+              <a:rPr lang="en-US" dirty="0" smtClean="0">
+                <a:latin typeface="Nanum Gothic" charset="-127"/>
+                <a:ea typeface="Nanum Gothic" charset="-127"/>
+                <a:cs typeface="Nanum Gothic" charset="-127"/>
+              </a:rPr>
               <a:t>A</a:t>
             </a:r>
             <a:r>
-              <a:rPr lang="en-US" altLang="ko-KR" dirty="0" smtClean="0"/>
+              <a:rPr lang="en-US" altLang="ko-KR" dirty="0" smtClean="0">
+                <a:latin typeface="Nanum Gothic" charset="-127"/>
+                <a:ea typeface="Nanum Gothic" charset="-127"/>
+                <a:cs typeface="Nanum Gothic" charset="-127"/>
+              </a:rPr>
               <a:t>4:Lean On (Delta heavy remix)</a:t>
             </a:r>
-            <a:endParaRPr lang="en-US" dirty="0" smtClean="0"/>
-          </a:p>
-          <a:p>
-            <a:r>
-              <a:rPr lang="en-US" dirty="0" smtClean="0"/>
+            <a:endParaRPr lang="en-US" dirty="0" smtClean="0">
+              <a:latin typeface="Nanum Gothic" charset="-127"/>
+              <a:ea typeface="Nanum Gothic" charset="-127"/>
+              <a:cs typeface="Nanum Gothic" charset="-127"/>
+            </a:endParaRPr>
+          </a:p>
+          <a:p>
+            <a:r>
+              <a:rPr lang="en-US" dirty="0" smtClean="0">
+                <a:latin typeface="Nanum Gothic" charset="-127"/>
+                <a:ea typeface="Nanum Gothic" charset="-127"/>
+                <a:cs typeface="Nanum Gothic" charset="-127"/>
+              </a:rPr>
               <a:t>B</a:t>
             </a:r>
             <a:r>
-              <a:rPr lang="en-US" altLang="ko-KR" dirty="0" smtClean="0"/>
+              <a:rPr lang="en-US" altLang="ko-KR" dirty="0" smtClean="0">
+                <a:latin typeface="Nanum Gothic" charset="-127"/>
+                <a:ea typeface="Nanum Gothic" charset="-127"/>
+                <a:cs typeface="Nanum Gothic" charset="-127"/>
+              </a:rPr>
               <a:t>4:Punish my love VIP</a:t>
             </a:r>
-            <a:endParaRPr lang="en-US" dirty="0" smtClean="0"/>
-          </a:p>
-          <a:p>
-            <a:r>
-              <a:rPr lang="en-US" dirty="0" smtClean="0"/>
+            <a:endParaRPr lang="en-US" dirty="0" smtClean="0">
+              <a:latin typeface="Nanum Gothic" charset="-127"/>
+              <a:ea typeface="Nanum Gothic" charset="-127"/>
+              <a:cs typeface="Nanum Gothic" charset="-127"/>
+            </a:endParaRPr>
+          </a:p>
+          <a:p>
+            <a:r>
+              <a:rPr lang="en-US" dirty="0" smtClean="0">
+                <a:latin typeface="Nanum Gothic" charset="-127"/>
+                <a:ea typeface="Nanum Gothic" charset="-127"/>
+                <a:cs typeface="Nanum Gothic" charset="-127"/>
+              </a:rPr>
               <a:t>C</a:t>
             </a:r>
             <a:r>
-              <a:rPr lang="en-US" altLang="ko-KR" dirty="0" smtClean="0"/>
+              <a:rPr lang="en-US" altLang="ko-KR" dirty="0" smtClean="0">
+                <a:latin typeface="Nanum Gothic" charset="-127"/>
+                <a:ea typeface="Nanum Gothic" charset="-127"/>
+                <a:cs typeface="Nanum Gothic" charset="-127"/>
+              </a:rPr>
               <a:t>5:Face Down</a:t>
             </a:r>
-            <a:endParaRPr lang="en-US" dirty="0" smtClean="0"/>
-          </a:p>
-          <a:p>
-            <a:r>
-              <a:rPr lang="en-US" dirty="0" smtClean="0"/>
+            <a:endParaRPr lang="en-US" dirty="0" smtClean="0">
+              <a:latin typeface="Nanum Gothic" charset="-127"/>
+              <a:ea typeface="Nanum Gothic" charset="-127"/>
+              <a:cs typeface="Nanum Gothic" charset="-127"/>
+            </a:endParaRPr>
+          </a:p>
+          <a:p>
+            <a:r>
+              <a:rPr lang="en-US" dirty="0" smtClean="0">
+                <a:latin typeface="Nanum Gothic" charset="-127"/>
+                <a:ea typeface="Nanum Gothic" charset="-127"/>
+                <a:cs typeface="Nanum Gothic" charset="-127"/>
+              </a:rPr>
               <a:t>D</a:t>
             </a:r>
             <a:r>
-              <a:rPr lang="en-US" altLang="ko-KR" dirty="0" smtClean="0"/>
+              <a:rPr lang="en-US" altLang="ko-KR" dirty="0" smtClean="0">
+                <a:latin typeface="Nanum Gothic" charset="-127"/>
+                <a:ea typeface="Nanum Gothic" charset="-127"/>
+                <a:cs typeface="Nanum Gothic" charset="-127"/>
+              </a:rPr>
               <a:t>5:</a:t>
             </a:r>
             <a:r>
-              <a:rPr lang="ko-KR" altLang="en-US" dirty="0" smtClean="0"/>
+              <a:rPr lang="ko-KR" altLang="en-US" dirty="0" smtClean="0">
+                <a:latin typeface="Nanum Gothic" charset="-127"/>
+                <a:ea typeface="Nanum Gothic" charset="-127"/>
+                <a:cs typeface="Nanum Gothic" charset="-127"/>
+              </a:rPr>
               <a:t>비디오 클립 초기화</a:t>
             </a:r>
-            <a:endParaRPr lang="en-US" dirty="0" smtClean="0"/>
-          </a:p>
-          <a:p>
-            <a:r>
-              <a:rPr lang="en-US" dirty="0" smtClean="0"/>
+            <a:endParaRPr lang="en-US" dirty="0" smtClean="0">
+              <a:latin typeface="Nanum Gothic" charset="-127"/>
+              <a:ea typeface="Nanum Gothic" charset="-127"/>
+              <a:cs typeface="Nanum Gothic" charset="-127"/>
+            </a:endParaRPr>
+          </a:p>
+          <a:p>
+            <a:r>
+              <a:rPr lang="en-US" dirty="0" smtClean="0">
+                <a:latin typeface="Nanum Gothic" charset="-127"/>
+                <a:ea typeface="Nanum Gothic" charset="-127"/>
+                <a:cs typeface="Nanum Gothic" charset="-127"/>
+              </a:rPr>
               <a:t>E</a:t>
             </a:r>
             <a:r>
-              <a:rPr lang="en-US" altLang="ko-KR" dirty="0" smtClean="0"/>
+              <a:rPr lang="en-US" altLang="ko-KR" dirty="0" smtClean="0">
+                <a:latin typeface="Nanum Gothic" charset="-127"/>
+                <a:ea typeface="Nanum Gothic" charset="-127"/>
+                <a:cs typeface="Nanum Gothic" charset="-127"/>
+              </a:rPr>
               <a:t>5:</a:t>
             </a:r>
             <a:r>
-              <a:rPr lang="ko-KR" altLang="en-US" dirty="0" smtClean="0"/>
+              <a:rPr lang="ko-KR" altLang="en-US" dirty="0" smtClean="0">
+                <a:latin typeface="Nanum Gothic" charset="-127"/>
+                <a:ea typeface="Nanum Gothic" charset="-127"/>
+                <a:cs typeface="Nanum Gothic" charset="-127"/>
+              </a:rPr>
               <a:t> </a:t>
             </a:r>
             <a:r>
-              <a:rPr lang="en-US" altLang="ko-KR" dirty="0" smtClean="0"/>
+              <a:rPr lang="en-US" altLang="ko-KR" dirty="0" smtClean="0">
+                <a:latin typeface="Nanum Gothic" charset="-127"/>
+                <a:ea typeface="Nanum Gothic" charset="-127"/>
+                <a:cs typeface="Nanum Gothic" charset="-127"/>
+              </a:rPr>
               <a:t>Three</a:t>
             </a:r>
             <a:r>
-              <a:rPr lang="ko-KR" altLang="en-US" dirty="0" smtClean="0"/>
+              <a:rPr lang="ko-KR" altLang="en-US" dirty="0" smtClean="0">
+                <a:latin typeface="Nanum Gothic" charset="-127"/>
+                <a:ea typeface="Nanum Gothic" charset="-127"/>
+                <a:cs typeface="Nanum Gothic" charset="-127"/>
+              </a:rPr>
               <a:t> </a:t>
             </a:r>
             <a:r>
-              <a:rPr lang="en-US" altLang="ko-KR" dirty="0" smtClean="0"/>
+              <a:rPr lang="en-US" altLang="ko-KR" dirty="0" smtClean="0">
+                <a:latin typeface="Nanum Gothic" charset="-127"/>
+                <a:ea typeface="Nanum Gothic" charset="-127"/>
+                <a:cs typeface="Nanum Gothic" charset="-127"/>
+              </a:rPr>
               <a:t>pound chicken wing</a:t>
             </a:r>
-            <a:endParaRPr lang="ko-KR" altLang="en-US" dirty="0" smtClean="0"/>
+            <a:endParaRPr lang="ko-KR" altLang="en-US" dirty="0" smtClean="0">
+              <a:latin typeface="Nanum Gothic" charset="-127"/>
+              <a:ea typeface="Nanum Gothic" charset="-127"/>
+              <a:cs typeface="Nanum Gothic" charset="-127"/>
+            </a:endParaRPr>
           </a:p>
         </p:txBody>
       </p:sp>
@@ -5317,10 +5757,18 @@
           <a:lstStyle/>
           <a:p>
             <a:r>
-              <a:rPr lang="en-US" dirty="0" smtClean="0"/>
+              <a:rPr lang="en-US" dirty="0" smtClean="0">
+                <a:latin typeface="Nanum Gothic" charset="-127"/>
+                <a:ea typeface="Nanum Gothic" charset="-127"/>
+                <a:cs typeface="Nanum Gothic" charset="-127"/>
+              </a:rPr>
               <a:t>YOUTUBE</a:t>
             </a:r>
-            <a:endParaRPr lang="en-US" dirty="0"/>
+            <a:endParaRPr lang="en-US" dirty="0">
+              <a:latin typeface="Nanum Gothic" charset="-127"/>
+              <a:ea typeface="Nanum Gothic" charset="-127"/>
+              <a:cs typeface="Nanum Gothic" charset="-127"/>
+            </a:endParaRPr>
           </a:p>
         </p:txBody>
       </p:sp>
@@ -5341,26 +5789,43 @@
           <a:p>
             <a:r>
               <a:rPr lang="en-US" dirty="0" smtClean="0">
+                <a:latin typeface="Nanum Gothic" charset="-127"/>
+                <a:ea typeface="Nanum Gothic" charset="-127"/>
+                <a:cs typeface="Nanum Gothic" charset="-127"/>
                 <a:hlinkClick r:id="rId3"/>
               </a:rPr>
               <a:t>https</a:t>
             </a:r>
             <a:r>
               <a:rPr lang="en-US" dirty="0">
+                <a:latin typeface="Nanum Gothic" charset="-127"/>
+                <a:ea typeface="Nanum Gothic" charset="-127"/>
+                <a:cs typeface="Nanum Gothic" charset="-127"/>
                 <a:hlinkClick r:id="rId3"/>
               </a:rPr>
               <a:t>://</a:t>
             </a:r>
             <a:r>
               <a:rPr lang="en-US" dirty="0" smtClean="0">
+                <a:latin typeface="Nanum Gothic" charset="-127"/>
+                <a:ea typeface="Nanum Gothic" charset="-127"/>
+                <a:cs typeface="Nanum Gothic" charset="-127"/>
                 <a:hlinkClick r:id="rId3"/>
               </a:rPr>
               <a:t>www.youtube.com/watch?v=Q83aIwn69yk</a:t>
             </a:r>
-            <a:endParaRPr lang="ko-KR" altLang="en-US" dirty="0" smtClean="0"/>
-          </a:p>
-          <a:p>
-            <a:endParaRPr lang="en-US" dirty="0"/>
+            <a:endParaRPr lang="ko-KR" altLang="en-US" dirty="0" smtClean="0">
+              <a:latin typeface="Nanum Gothic" charset="-127"/>
+              <a:ea typeface="Nanum Gothic" charset="-127"/>
+              <a:cs typeface="Nanum Gothic" charset="-127"/>
+            </a:endParaRPr>
+          </a:p>
+          <a:p>
+            <a:endParaRPr lang="en-US" dirty="0">
+              <a:latin typeface="Nanum Gothic" charset="-127"/>
+              <a:ea typeface="Nanum Gothic" charset="-127"/>
+              <a:cs typeface="Nanum Gothic" charset="-127"/>
+            </a:endParaRPr>
           </a:p>
         </p:txBody>
       </p:sp>
@@ -5423,10 +5888,18 @@
           <a:p>
             <a:pPr algn="ctr"/>
             <a:r>
-              <a:rPr lang="ko-KR" altLang="en-US" dirty="0" smtClean="0"/>
+              <a:rPr lang="ko-KR" altLang="en-US" dirty="0" smtClean="0">
+                <a:latin typeface="Nanum Gothic" charset="-127"/>
+                <a:ea typeface="Nanum Gothic" charset="-127"/>
+                <a:cs typeface="Nanum Gothic" charset="-127"/>
+              </a:rPr>
               <a:t>시연</a:t>
             </a:r>
-            <a:endParaRPr lang="en-US" dirty="0"/>
+            <a:endParaRPr lang="en-US" dirty="0">
+              <a:latin typeface="Nanum Gothic" charset="-127"/>
+              <a:ea typeface="Nanum Gothic" charset="-127"/>
+              <a:cs typeface="Nanum Gothic" charset="-127"/>
+            </a:endParaRPr>
           </a:p>
         </p:txBody>
       </p:sp>

--- a/ppt/Presentation_hivrid.pptx
+++ b/ppt/Presentation_hivrid.pptx
@@ -5,18 +5,19 @@
     <p:sldMasterId id="2147483660" r:id="rId1"/>
   </p:sldMasterIdLst>
   <p:notesMasterIdLst>
-    <p:notesMasterId r:id="rId11"/>
+    <p:notesMasterId r:id="rId12"/>
   </p:notesMasterIdLst>
   <p:sldIdLst>
     <p:sldId id="256" r:id="rId2"/>
-    <p:sldId id="261" r:id="rId3"/>
-    <p:sldId id="257" r:id="rId4"/>
-    <p:sldId id="260" r:id="rId5"/>
-    <p:sldId id="265" r:id="rId6"/>
-    <p:sldId id="267" r:id="rId7"/>
-    <p:sldId id="262" r:id="rId8"/>
-    <p:sldId id="268" r:id="rId9"/>
-    <p:sldId id="266" r:id="rId10"/>
+    <p:sldId id="269" r:id="rId3"/>
+    <p:sldId id="261" r:id="rId4"/>
+    <p:sldId id="257" r:id="rId5"/>
+    <p:sldId id="260" r:id="rId6"/>
+    <p:sldId id="265" r:id="rId7"/>
+    <p:sldId id="267" r:id="rId8"/>
+    <p:sldId id="262" r:id="rId9"/>
+    <p:sldId id="268" r:id="rId10"/>
+    <p:sldId id="266" r:id="rId11"/>
   </p:sldIdLst>
   <p:sldSz cx="12192000" cy="6858000"/>
   <p:notesSz cx="6858000" cy="9144000"/>
@@ -538,7 +539,7 @@
           <a:p>
             <a:fld id="{3FC485E7-877A-4849-A22A-04454DF8A820}" type="slidenum">
               <a:rPr lang="en-US" smtClean="0"/>
-              <a:t>2</a:t>
+              <a:t>3</a:t>
             </a:fld>
             <a:endParaRPr lang="en-US"/>
           </a:p>
@@ -622,7 +623,7 @@
           <a:p>
             <a:fld id="{3FC485E7-877A-4849-A22A-04454DF8A820}" type="slidenum">
               <a:rPr lang="en-US" smtClean="0"/>
-              <a:t>3</a:t>
+              <a:t>4</a:t>
             </a:fld>
             <a:endParaRPr lang="en-US"/>
           </a:p>
@@ -706,7 +707,7 @@
           <a:p>
             <a:fld id="{3FC485E7-877A-4849-A22A-04454DF8A820}" type="slidenum">
               <a:rPr lang="en-US" smtClean="0"/>
-              <a:t>4</a:t>
+              <a:t>5</a:t>
             </a:fld>
             <a:endParaRPr lang="en-US"/>
           </a:p>
@@ -790,7 +791,7 @@
           <a:p>
             <a:fld id="{3FC485E7-877A-4849-A22A-04454DF8A820}" type="slidenum">
               <a:rPr lang="en-US" smtClean="0"/>
-              <a:t>5</a:t>
+              <a:t>6</a:t>
             </a:fld>
             <a:endParaRPr lang="en-US"/>
           </a:p>
@@ -874,7 +875,7 @@
           <a:p>
             <a:fld id="{3FC485E7-877A-4849-A22A-04454DF8A820}" type="slidenum">
               <a:rPr lang="en-US" smtClean="0"/>
-              <a:t>6</a:t>
+              <a:t>7</a:t>
             </a:fld>
             <a:endParaRPr lang="en-US"/>
           </a:p>
@@ -958,7 +959,7 @@
           <a:p>
             <a:fld id="{3FC485E7-877A-4849-A22A-04454DF8A820}" type="slidenum">
               <a:rPr lang="en-US" smtClean="0"/>
-              <a:t>7</a:t>
+              <a:t>8</a:t>
             </a:fld>
             <a:endParaRPr lang="en-US"/>
           </a:p>
@@ -1042,7 +1043,7 @@
           <a:p>
             <a:fld id="{3FC485E7-877A-4849-A22A-04454DF8A820}" type="slidenum">
               <a:rPr lang="en-US" smtClean="0"/>
-              <a:t>9</a:t>
+              <a:t>10</a:t>
             </a:fld>
             <a:endParaRPr lang="en-US"/>
           </a:p>
@@ -4072,7 +4073,215 @@
 </p:sld>
 </file>
 
+<file path=ppt/slides/slide10.xml><?xml version="1.0" encoding="utf-8"?>
+<p:sld xmlns:a="http://schemas.openxmlformats.org/drawingml/2006/main" xmlns:r="http://schemas.openxmlformats.org/officeDocument/2006/relationships" xmlns:p="http://schemas.openxmlformats.org/presentationml/2006/main">
+  <p:cSld>
+    <p:spTree>
+      <p:nvGrpSpPr>
+        <p:cNvPr id="1" name=""/>
+        <p:cNvGrpSpPr/>
+        <p:nvPr/>
+      </p:nvGrpSpPr>
+      <p:grpSpPr>
+        <a:xfrm>
+          <a:off x="0" y="0"/>
+          <a:ext cx="0" cy="0"/>
+          <a:chOff x="0" y="0"/>
+          <a:chExt cx="0" cy="0"/>
+        </a:xfrm>
+      </p:grpSpPr>
+      <p:sp>
+        <p:nvSpPr>
+          <p:cNvPr id="3" name="Content Placeholder 2"/>
+          <p:cNvSpPr>
+            <a:spLocks noGrp="1"/>
+          </p:cNvSpPr>
+          <p:nvPr>
+            <p:ph idx="1"/>
+          </p:nvPr>
+        </p:nvSpPr>
+        <p:spPr/>
+        <p:txBody>
+          <a:bodyPr>
+            <a:normAutofit/>
+          </a:bodyPr>
+          <a:lstStyle/>
+          <a:p>
+            <a:pPr marL="0" indent="0" algn="ctr">
+              <a:buNone/>
+            </a:pPr>
+            <a:endParaRPr lang="en-US" sz="6600" dirty="0" smtClean="0">
+              <a:latin typeface="Nanum Gothic" charset="-127"/>
+              <a:ea typeface="Nanum Gothic" charset="-127"/>
+              <a:cs typeface="Nanum Gothic" charset="-127"/>
+            </a:endParaRPr>
+          </a:p>
+          <a:p>
+            <a:pPr marL="0" indent="0" algn="ctr">
+              <a:buNone/>
+            </a:pPr>
+            <a:r>
+              <a:rPr lang="en-US" sz="6600" dirty="0" smtClean="0">
+                <a:latin typeface="Nanum Gothic" charset="-127"/>
+                <a:ea typeface="Nanum Gothic" charset="-127"/>
+                <a:cs typeface="Nanum Gothic" charset="-127"/>
+              </a:rPr>
+              <a:t>END</a:t>
+            </a:r>
+            <a:endParaRPr lang="en-US" sz="6600" dirty="0">
+              <a:latin typeface="Nanum Gothic" charset="-127"/>
+              <a:ea typeface="Nanum Gothic" charset="-127"/>
+              <a:cs typeface="Nanum Gothic" charset="-127"/>
+            </a:endParaRPr>
+          </a:p>
+        </p:txBody>
+      </p:sp>
+    </p:spTree>
+    <p:extLst>
+      <p:ext uri="{BB962C8B-B14F-4D97-AF65-F5344CB8AC3E}">
+        <p14:creationId xmlns:p14="http://schemas.microsoft.com/office/powerpoint/2010/main" val="784726443"/>
+      </p:ext>
+    </p:extLst>
+  </p:cSld>
+  <p:clrMapOvr>
+    <a:masterClrMapping/>
+  </p:clrMapOvr>
+  <p:timing>
+    <p:tnLst>
+      <p:par>
+        <p:cTn id="1" dur="indefinite" restart="never" nodeType="tmRoot"/>
+      </p:par>
+    </p:tnLst>
+  </p:timing>
+</p:sld>
+</file>
+
 <file path=ppt/slides/slide2.xml><?xml version="1.0" encoding="utf-8"?>
+<p:sld xmlns:a="http://schemas.openxmlformats.org/drawingml/2006/main" xmlns:r="http://schemas.openxmlformats.org/officeDocument/2006/relationships" xmlns:p="http://schemas.openxmlformats.org/presentationml/2006/main">
+  <p:cSld>
+    <p:spTree>
+      <p:nvGrpSpPr>
+        <p:cNvPr id="1" name=""/>
+        <p:cNvGrpSpPr/>
+        <p:nvPr/>
+      </p:nvGrpSpPr>
+      <p:grpSpPr>
+        <a:xfrm>
+          <a:off x="0" y="0"/>
+          <a:ext cx="0" cy="0"/>
+          <a:chOff x="0" y="0"/>
+          <a:chExt cx="0" cy="0"/>
+        </a:xfrm>
+      </p:grpSpPr>
+      <p:sp>
+        <p:nvSpPr>
+          <p:cNvPr id="2" name="Title 1"/>
+          <p:cNvSpPr>
+            <a:spLocks noGrp="1"/>
+          </p:cNvSpPr>
+          <p:nvPr>
+            <p:ph type="title"/>
+          </p:nvPr>
+        </p:nvSpPr>
+        <p:spPr/>
+        <p:txBody>
+          <a:bodyPr/>
+          <a:lstStyle/>
+          <a:p>
+            <a:r>
+              <a:rPr lang="ko-KR" altLang="en-US" dirty="0" smtClean="0">
+                <a:latin typeface="Nanum Gothic" charset="-127"/>
+                <a:ea typeface="Nanum Gothic" charset="-127"/>
+                <a:cs typeface="Nanum Gothic" charset="-127"/>
+              </a:rPr>
+              <a:t>목차</a:t>
+            </a:r>
+            <a:endParaRPr lang="en-US" dirty="0">
+              <a:latin typeface="Nanum Gothic" charset="-127"/>
+              <a:ea typeface="Nanum Gothic" charset="-127"/>
+              <a:cs typeface="Nanum Gothic" charset="-127"/>
+            </a:endParaRPr>
+          </a:p>
+        </p:txBody>
+      </p:sp>
+      <p:sp>
+        <p:nvSpPr>
+          <p:cNvPr id="3" name="Content Placeholder 2"/>
+          <p:cNvSpPr>
+            <a:spLocks noGrp="1"/>
+          </p:cNvSpPr>
+          <p:nvPr>
+            <p:ph idx="1"/>
+          </p:nvPr>
+        </p:nvSpPr>
+        <p:spPr/>
+        <p:txBody>
+          <a:bodyPr/>
+          <a:lstStyle/>
+          <a:p>
+            <a:r>
+              <a:rPr lang="ko-KR" altLang="en-US" dirty="0" smtClean="0"/>
+              <a:t>주제</a:t>
+            </a:r>
+            <a:r>
+              <a:rPr lang="en-US" altLang="ko-KR" dirty="0" smtClean="0"/>
+              <a:t>/</a:t>
+            </a:r>
+            <a:r>
+              <a:rPr lang="ko-KR" altLang="en-US" dirty="0" smtClean="0"/>
+              <a:t>목표</a:t>
+            </a:r>
+          </a:p>
+          <a:p>
+            <a:r>
+              <a:rPr lang="ko-KR" altLang="en-US" dirty="0" smtClean="0"/>
+              <a:t>기능</a:t>
+            </a:r>
+          </a:p>
+          <a:p>
+            <a:r>
+              <a:rPr lang="ko-KR" altLang="en-US" dirty="0" smtClean="0"/>
+              <a:t>구성도</a:t>
+            </a:r>
+          </a:p>
+          <a:p>
+            <a:r>
+              <a:rPr lang="ko-KR" altLang="en-US" dirty="0" smtClean="0"/>
+              <a:t>매핑 </a:t>
+            </a:r>
+          </a:p>
+          <a:p>
+            <a:r>
+              <a:rPr lang="en-US" altLang="ko-KR" dirty="0" smtClean="0"/>
+              <a:t>YOUTUBE</a:t>
+            </a:r>
+          </a:p>
+          <a:p>
+            <a:r>
+              <a:rPr lang="ko-KR" altLang="en-US" dirty="0" smtClean="0"/>
+              <a:t>시연</a:t>
+            </a:r>
+            <a:endParaRPr lang="ko-KR" altLang="en-US" dirty="0" smtClean="0"/>
+          </a:p>
+          <a:p>
+            <a:endParaRPr lang="en-US" dirty="0"/>
+          </a:p>
+        </p:txBody>
+      </p:sp>
+    </p:spTree>
+    <p:extLst>
+      <p:ext uri="{BB962C8B-B14F-4D97-AF65-F5344CB8AC3E}">
+        <p14:creationId xmlns:p14="http://schemas.microsoft.com/office/powerpoint/2010/main" val="1114398019"/>
+      </p:ext>
+    </p:extLst>
+  </p:cSld>
+  <p:clrMapOvr>
+    <a:masterClrMapping/>
+  </p:clrMapOvr>
+</p:sld>
+</file>
+
+<file path=ppt/slides/slide3.xml><?xml version="1.0" encoding="utf-8"?>
 <p:sld xmlns:a="http://schemas.openxmlformats.org/drawingml/2006/main" xmlns:r="http://schemas.openxmlformats.org/officeDocument/2006/relationships" xmlns:p="http://schemas.openxmlformats.org/presentationml/2006/main">
   <p:cSld>
     <p:spTree>
@@ -4363,7 +4572,7 @@
 </p:sld>
 </file>
 
-<file path=ppt/slides/slide3.xml><?xml version="1.0" encoding="utf-8"?>
+<file path=ppt/slides/slide4.xml><?xml version="1.0" encoding="utf-8"?>
 <p:sld xmlns:a="http://schemas.openxmlformats.org/drawingml/2006/main" xmlns:r="http://schemas.openxmlformats.org/officeDocument/2006/relationships" xmlns:p="http://schemas.openxmlformats.org/presentationml/2006/main">
   <p:cSld>
     <p:spTree>
@@ -4492,23 +4701,7 @@
                 <a:ea typeface="Nanum Gothic" charset="-127"/>
                 <a:cs typeface="Nanum Gothic" charset="-127"/>
               </a:rPr>
-              <a:t>MIDI </a:t>
-            </a:r>
-            <a:r>
-              <a:rPr lang="en-US" altLang="ko-KR" dirty="0" smtClean="0">
-                <a:latin typeface="Nanum Gothic" charset="-127"/>
-                <a:ea typeface="Nanum Gothic" charset="-127"/>
-                <a:cs typeface="Nanum Gothic" charset="-127"/>
-              </a:rPr>
-              <a:t>CC(continuous </a:t>
-            </a:r>
-            <a:r>
-              <a:rPr lang="en-US" altLang="ko-KR" dirty="0" smtClean="0">
-                <a:latin typeface="Nanum Gothic" charset="-127"/>
-                <a:ea typeface="Nanum Gothic" charset="-127"/>
-                <a:cs typeface="Nanum Gothic" charset="-127"/>
-              </a:rPr>
-              <a:t>controller)</a:t>
+              <a:t>MIDI CC(continuous controller)</a:t>
             </a:r>
             <a:r>
               <a:rPr lang="ko-KR" altLang="en-US" dirty="0" smtClean="0">
@@ -4592,7 +4785,7 @@
 </p:sld>
 </file>
 
-<file path=ppt/slides/slide4.xml><?xml version="1.0" encoding="utf-8"?>
+<file path=ppt/slides/slide5.xml><?xml version="1.0" encoding="utf-8"?>
 <p:sld xmlns:a="http://schemas.openxmlformats.org/drawingml/2006/main" xmlns:r="http://schemas.openxmlformats.org/officeDocument/2006/relationships" xmlns:p="http://schemas.openxmlformats.org/presentationml/2006/main">
   <p:cSld>
     <p:spTree>
@@ -4957,7 +5150,7 @@
 </p:sld>
 </file>
 
-<file path=ppt/slides/slide5.xml><?xml version="1.0" encoding="utf-8"?>
+<file path=ppt/slides/slide6.xml><?xml version="1.0" encoding="utf-8"?>
 <p:sld xmlns:a="http://schemas.openxmlformats.org/drawingml/2006/main" xmlns:r="http://schemas.openxmlformats.org/officeDocument/2006/relationships" xmlns:p="http://schemas.openxmlformats.org/presentationml/2006/main">
   <p:cSld>
     <p:spTree>
@@ -5152,578 +5345,6 @@
 </p:sld>
 </file>
 
-<file path=ppt/slides/slide6.xml><?xml version="1.0" encoding="utf-8"?>
-<p:sld xmlns:a="http://schemas.openxmlformats.org/drawingml/2006/main" xmlns:r="http://schemas.openxmlformats.org/officeDocument/2006/relationships" xmlns:p="http://schemas.openxmlformats.org/presentationml/2006/main">
-  <p:cSld>
-    <p:spTree>
-      <p:nvGrpSpPr>
-        <p:cNvPr id="1" name=""/>
-        <p:cNvGrpSpPr/>
-        <p:nvPr/>
-      </p:nvGrpSpPr>
-      <p:grpSpPr>
-        <a:xfrm>
-          <a:off x="0" y="0"/>
-          <a:ext cx="0" cy="0"/>
-          <a:chOff x="0" y="0"/>
-          <a:chExt cx="0" cy="0"/>
-        </a:xfrm>
-      </p:grpSpPr>
-      <p:sp>
-        <p:nvSpPr>
-          <p:cNvPr id="2" name="Title 1"/>
-          <p:cNvSpPr>
-            <a:spLocks noGrp="1"/>
-          </p:cNvSpPr>
-          <p:nvPr>
-            <p:ph type="title"/>
-          </p:nvPr>
-        </p:nvSpPr>
-        <p:spPr/>
-        <p:txBody>
-          <a:bodyPr/>
-          <a:lstStyle/>
-          <a:p>
-            <a:r>
-              <a:rPr lang="ko-KR" altLang="en-US" dirty="0" smtClean="0">
-                <a:latin typeface="Nanum Gothic" charset="-127"/>
-                <a:ea typeface="Nanum Gothic" charset="-127"/>
-                <a:cs typeface="Nanum Gothic" charset="-127"/>
-              </a:rPr>
-              <a:t>매핑</a:t>
-            </a:r>
-            <a:endParaRPr lang="en-US" dirty="0">
-              <a:latin typeface="Nanum Gothic" charset="-127"/>
-              <a:ea typeface="Nanum Gothic" charset="-127"/>
-              <a:cs typeface="Nanum Gothic" charset="-127"/>
-            </a:endParaRPr>
-          </a:p>
-        </p:txBody>
-      </p:sp>
-      <p:sp>
-        <p:nvSpPr>
-          <p:cNvPr id="3" name="Content Placeholder 2"/>
-          <p:cNvSpPr>
-            <a:spLocks noGrp="1"/>
-          </p:cNvSpPr>
-          <p:nvPr>
-            <p:ph sz="half" idx="1"/>
-          </p:nvPr>
-        </p:nvSpPr>
-        <p:spPr/>
-        <p:txBody>
-          <a:bodyPr>
-            <a:normAutofit fontScale="92500" lnSpcReduction="20000"/>
-          </a:bodyPr>
-          <a:lstStyle/>
-          <a:p>
-            <a:r>
-              <a:rPr lang="en-US" dirty="0" smtClean="0">
-                <a:latin typeface="Nanum Gothic" charset="-127"/>
-                <a:ea typeface="Nanum Gothic" charset="-127"/>
-                <a:cs typeface="Nanum Gothic" charset="-127"/>
-              </a:rPr>
-              <a:t>C4: </a:t>
-            </a:r>
-            <a:r>
-              <a:rPr lang="ko-KR" altLang="en-US" dirty="0" smtClean="0">
-                <a:latin typeface="Nanum Gothic" charset="-127"/>
-                <a:ea typeface="Nanum Gothic" charset="-127"/>
-                <a:cs typeface="Nanum Gothic" charset="-127"/>
-              </a:rPr>
-              <a:t>비디오 클립 랜덤 트리거</a:t>
-            </a:r>
-            <a:endParaRPr lang="en-US" dirty="0" smtClean="0">
-              <a:latin typeface="Nanum Gothic" charset="-127"/>
-              <a:ea typeface="Nanum Gothic" charset="-127"/>
-              <a:cs typeface="Nanum Gothic" charset="-127"/>
-            </a:endParaRPr>
-          </a:p>
-          <a:p>
-            <a:r>
-              <a:rPr lang="en-US" dirty="0" smtClean="0">
-                <a:latin typeface="Nanum Gothic" charset="-127"/>
-                <a:ea typeface="Nanum Gothic" charset="-127"/>
-                <a:cs typeface="Nanum Gothic" charset="-127"/>
-              </a:rPr>
-              <a:t>D</a:t>
-            </a:r>
-            <a:r>
-              <a:rPr lang="en-US" altLang="ko-KR" dirty="0" smtClean="0">
-                <a:latin typeface="Nanum Gothic" charset="-127"/>
-                <a:ea typeface="Nanum Gothic" charset="-127"/>
-                <a:cs typeface="Nanum Gothic" charset="-127"/>
-              </a:rPr>
-              <a:t>4: zoom blur</a:t>
-            </a:r>
-            <a:endParaRPr lang="en-US" dirty="0" smtClean="0">
-              <a:latin typeface="Nanum Gothic" charset="-127"/>
-              <a:ea typeface="Nanum Gothic" charset="-127"/>
-              <a:cs typeface="Nanum Gothic" charset="-127"/>
-            </a:endParaRPr>
-          </a:p>
-          <a:p>
-            <a:r>
-              <a:rPr lang="en-US" dirty="0" smtClean="0">
-                <a:latin typeface="Nanum Gothic" charset="-127"/>
-                <a:ea typeface="Nanum Gothic" charset="-127"/>
-                <a:cs typeface="Nanum Gothic" charset="-127"/>
-              </a:rPr>
-              <a:t>E</a:t>
-            </a:r>
-            <a:r>
-              <a:rPr lang="en-US" altLang="ko-KR" dirty="0" smtClean="0">
-                <a:latin typeface="Nanum Gothic" charset="-127"/>
-                <a:ea typeface="Nanum Gothic" charset="-127"/>
-                <a:cs typeface="Nanum Gothic" charset="-127"/>
-              </a:rPr>
-              <a:t>4:</a:t>
-            </a:r>
-            <a:r>
-              <a:rPr lang="ko-KR" altLang="en-US" dirty="0" smtClean="0">
-                <a:latin typeface="Nanum Gothic" charset="-127"/>
-                <a:ea typeface="Nanum Gothic" charset="-127"/>
-                <a:cs typeface="Nanum Gothic" charset="-127"/>
-              </a:rPr>
-              <a:t> </a:t>
-            </a:r>
-            <a:r>
-              <a:rPr lang="en-US" altLang="ko-KR" dirty="0" smtClean="0">
-                <a:latin typeface="Nanum Gothic" charset="-127"/>
-                <a:ea typeface="Nanum Gothic" charset="-127"/>
-                <a:cs typeface="Nanum Gothic" charset="-127"/>
-              </a:rPr>
-              <a:t>Reflected tile(</a:t>
-            </a:r>
-            <a:r>
-              <a:rPr lang="ko-KR" altLang="en-US" dirty="0" smtClean="0">
-                <a:latin typeface="Nanum Gothic" charset="-127"/>
-                <a:ea typeface="Nanum Gothic" charset="-127"/>
-                <a:cs typeface="Nanum Gothic" charset="-127"/>
-              </a:rPr>
-              <a:t>만화경</a:t>
-            </a:r>
-            <a:r>
-              <a:rPr lang="en-US" altLang="ko-KR" dirty="0" smtClean="0">
-                <a:latin typeface="Nanum Gothic" charset="-127"/>
-                <a:ea typeface="Nanum Gothic" charset="-127"/>
-                <a:cs typeface="Nanum Gothic" charset="-127"/>
-              </a:rPr>
-              <a:t>)</a:t>
-            </a:r>
-            <a:r>
-              <a:rPr lang="ko-KR" altLang="en-US" dirty="0" smtClean="0">
-                <a:latin typeface="Nanum Gothic" charset="-127"/>
-                <a:ea typeface="Nanum Gothic" charset="-127"/>
-                <a:cs typeface="Nanum Gothic" charset="-127"/>
-              </a:rPr>
-              <a:t> </a:t>
-            </a:r>
-            <a:endParaRPr lang="en-US" dirty="0" smtClean="0">
-              <a:latin typeface="Nanum Gothic" charset="-127"/>
-              <a:ea typeface="Nanum Gothic" charset="-127"/>
-              <a:cs typeface="Nanum Gothic" charset="-127"/>
-            </a:endParaRPr>
-          </a:p>
-          <a:p>
-            <a:r>
-              <a:rPr lang="en-US" dirty="0" smtClean="0">
-                <a:latin typeface="Nanum Gothic" charset="-127"/>
-                <a:ea typeface="Nanum Gothic" charset="-127"/>
-                <a:cs typeface="Nanum Gothic" charset="-127"/>
-              </a:rPr>
-              <a:t>F</a:t>
-            </a:r>
-            <a:r>
-              <a:rPr lang="en-US" altLang="ko-KR" dirty="0" smtClean="0">
-                <a:latin typeface="Nanum Gothic" charset="-127"/>
-                <a:ea typeface="Nanum Gothic" charset="-127"/>
-                <a:cs typeface="Nanum Gothic" charset="-127"/>
-              </a:rPr>
-              <a:t>4:</a:t>
-            </a:r>
-            <a:r>
-              <a:rPr lang="ko-KR" altLang="en-US" dirty="0" smtClean="0">
-                <a:latin typeface="Nanum Gothic" charset="-127"/>
-                <a:ea typeface="Nanum Gothic" charset="-127"/>
-                <a:cs typeface="Nanum Gothic" charset="-127"/>
-              </a:rPr>
-              <a:t> </a:t>
-            </a:r>
-            <a:r>
-              <a:rPr lang="en-US" altLang="ko-KR" dirty="0" smtClean="0">
-                <a:latin typeface="Nanum Gothic" charset="-127"/>
-                <a:ea typeface="Nanum Gothic" charset="-127"/>
-                <a:cs typeface="Nanum Gothic" charset="-127"/>
-              </a:rPr>
-              <a:t>fade</a:t>
-            </a:r>
-            <a:r>
-              <a:rPr lang="ko-KR" altLang="en-US" dirty="0" smtClean="0">
-                <a:latin typeface="Nanum Gothic" charset="-127"/>
-                <a:ea typeface="Nanum Gothic" charset="-127"/>
-                <a:cs typeface="Nanum Gothic" charset="-127"/>
-              </a:rPr>
-              <a:t> 모드</a:t>
-            </a:r>
-            <a:endParaRPr lang="en-US" dirty="0" smtClean="0">
-              <a:latin typeface="Nanum Gothic" charset="-127"/>
-              <a:ea typeface="Nanum Gothic" charset="-127"/>
-              <a:cs typeface="Nanum Gothic" charset="-127"/>
-            </a:endParaRPr>
-          </a:p>
-          <a:p>
-            <a:r>
-              <a:rPr lang="en-US" dirty="0" smtClean="0">
-                <a:latin typeface="Nanum Gothic" charset="-127"/>
-                <a:ea typeface="Nanum Gothic" charset="-127"/>
-                <a:cs typeface="Nanum Gothic" charset="-127"/>
-              </a:rPr>
-              <a:t>G</a:t>
-            </a:r>
-            <a:r>
-              <a:rPr lang="en-US" altLang="ko-KR" dirty="0" smtClean="0">
-                <a:latin typeface="Nanum Gothic" charset="-127"/>
-                <a:ea typeface="Nanum Gothic" charset="-127"/>
-                <a:cs typeface="Nanum Gothic" charset="-127"/>
-              </a:rPr>
-              <a:t>4: strobe</a:t>
-            </a:r>
-            <a:r>
-              <a:rPr lang="ko-KR" altLang="en-US" dirty="0" smtClean="0">
-                <a:latin typeface="Nanum Gothic" charset="-127"/>
-                <a:ea typeface="Nanum Gothic" charset="-127"/>
-                <a:cs typeface="Nanum Gothic" charset="-127"/>
-              </a:rPr>
-              <a:t> 모드</a:t>
-            </a:r>
-            <a:endParaRPr lang="en-US" dirty="0" smtClean="0">
-              <a:latin typeface="Nanum Gothic" charset="-127"/>
-              <a:ea typeface="Nanum Gothic" charset="-127"/>
-              <a:cs typeface="Nanum Gothic" charset="-127"/>
-            </a:endParaRPr>
-          </a:p>
-          <a:p>
-            <a:r>
-              <a:rPr lang="en-US" dirty="0" smtClean="0">
-                <a:latin typeface="Nanum Gothic" charset="-127"/>
-                <a:ea typeface="Nanum Gothic" charset="-127"/>
-                <a:cs typeface="Nanum Gothic" charset="-127"/>
-              </a:rPr>
-              <a:t>A</a:t>
-            </a:r>
-            <a:r>
-              <a:rPr lang="en-US" altLang="ko-KR" dirty="0" smtClean="0">
-                <a:latin typeface="Nanum Gothic" charset="-127"/>
-                <a:ea typeface="Nanum Gothic" charset="-127"/>
-                <a:cs typeface="Nanum Gothic" charset="-127"/>
-              </a:rPr>
-              <a:t>4:Lean On (Delta heavy remix)</a:t>
-            </a:r>
-            <a:endParaRPr lang="en-US" dirty="0" smtClean="0">
-              <a:latin typeface="Nanum Gothic" charset="-127"/>
-              <a:ea typeface="Nanum Gothic" charset="-127"/>
-              <a:cs typeface="Nanum Gothic" charset="-127"/>
-            </a:endParaRPr>
-          </a:p>
-          <a:p>
-            <a:r>
-              <a:rPr lang="en-US" dirty="0" smtClean="0">
-                <a:latin typeface="Nanum Gothic" charset="-127"/>
-                <a:ea typeface="Nanum Gothic" charset="-127"/>
-                <a:cs typeface="Nanum Gothic" charset="-127"/>
-              </a:rPr>
-              <a:t>B</a:t>
-            </a:r>
-            <a:r>
-              <a:rPr lang="en-US" altLang="ko-KR" dirty="0" smtClean="0">
-                <a:latin typeface="Nanum Gothic" charset="-127"/>
-                <a:ea typeface="Nanum Gothic" charset="-127"/>
-                <a:cs typeface="Nanum Gothic" charset="-127"/>
-              </a:rPr>
-              <a:t>4:Punish my love VIP</a:t>
-            </a:r>
-            <a:endParaRPr lang="en-US" dirty="0" smtClean="0">
-              <a:latin typeface="Nanum Gothic" charset="-127"/>
-              <a:ea typeface="Nanum Gothic" charset="-127"/>
-              <a:cs typeface="Nanum Gothic" charset="-127"/>
-            </a:endParaRPr>
-          </a:p>
-          <a:p>
-            <a:r>
-              <a:rPr lang="en-US" dirty="0" smtClean="0">
-                <a:latin typeface="Nanum Gothic" charset="-127"/>
-                <a:ea typeface="Nanum Gothic" charset="-127"/>
-                <a:cs typeface="Nanum Gothic" charset="-127"/>
-              </a:rPr>
-              <a:t>C</a:t>
-            </a:r>
-            <a:r>
-              <a:rPr lang="en-US" altLang="ko-KR" dirty="0" smtClean="0">
-                <a:latin typeface="Nanum Gothic" charset="-127"/>
-                <a:ea typeface="Nanum Gothic" charset="-127"/>
-                <a:cs typeface="Nanum Gothic" charset="-127"/>
-              </a:rPr>
-              <a:t>5:Face Down</a:t>
-            </a:r>
-            <a:endParaRPr lang="en-US" dirty="0" smtClean="0">
-              <a:latin typeface="Nanum Gothic" charset="-127"/>
-              <a:ea typeface="Nanum Gothic" charset="-127"/>
-              <a:cs typeface="Nanum Gothic" charset="-127"/>
-            </a:endParaRPr>
-          </a:p>
-          <a:p>
-            <a:r>
-              <a:rPr lang="en-US" dirty="0" smtClean="0">
-                <a:latin typeface="Nanum Gothic" charset="-127"/>
-                <a:ea typeface="Nanum Gothic" charset="-127"/>
-                <a:cs typeface="Nanum Gothic" charset="-127"/>
-              </a:rPr>
-              <a:t>D</a:t>
-            </a:r>
-            <a:r>
-              <a:rPr lang="en-US" altLang="ko-KR" dirty="0" smtClean="0">
-                <a:latin typeface="Nanum Gothic" charset="-127"/>
-                <a:ea typeface="Nanum Gothic" charset="-127"/>
-                <a:cs typeface="Nanum Gothic" charset="-127"/>
-              </a:rPr>
-              <a:t>5:</a:t>
-            </a:r>
-            <a:r>
-              <a:rPr lang="ko-KR" altLang="en-US" dirty="0" smtClean="0">
-                <a:latin typeface="Nanum Gothic" charset="-127"/>
-                <a:ea typeface="Nanum Gothic" charset="-127"/>
-                <a:cs typeface="Nanum Gothic" charset="-127"/>
-              </a:rPr>
-              <a:t>비디오 클립 초기화</a:t>
-            </a:r>
-            <a:endParaRPr lang="en-US" dirty="0" smtClean="0">
-              <a:latin typeface="Nanum Gothic" charset="-127"/>
-              <a:ea typeface="Nanum Gothic" charset="-127"/>
-              <a:cs typeface="Nanum Gothic" charset="-127"/>
-            </a:endParaRPr>
-          </a:p>
-          <a:p>
-            <a:r>
-              <a:rPr lang="en-US" dirty="0" smtClean="0">
-                <a:latin typeface="Nanum Gothic" charset="-127"/>
-                <a:ea typeface="Nanum Gothic" charset="-127"/>
-                <a:cs typeface="Nanum Gothic" charset="-127"/>
-              </a:rPr>
-              <a:t>E</a:t>
-            </a:r>
-            <a:r>
-              <a:rPr lang="en-US" altLang="ko-KR" dirty="0" smtClean="0">
-                <a:latin typeface="Nanum Gothic" charset="-127"/>
-                <a:ea typeface="Nanum Gothic" charset="-127"/>
-                <a:cs typeface="Nanum Gothic" charset="-127"/>
-              </a:rPr>
-              <a:t>5:</a:t>
-            </a:r>
-            <a:r>
-              <a:rPr lang="ko-KR" altLang="en-US" dirty="0" smtClean="0">
-                <a:latin typeface="Nanum Gothic" charset="-127"/>
-                <a:ea typeface="Nanum Gothic" charset="-127"/>
-                <a:cs typeface="Nanum Gothic" charset="-127"/>
-              </a:rPr>
-              <a:t> </a:t>
-            </a:r>
-            <a:r>
-              <a:rPr lang="en-US" altLang="ko-KR" dirty="0" smtClean="0">
-                <a:latin typeface="Nanum Gothic" charset="-127"/>
-                <a:ea typeface="Nanum Gothic" charset="-127"/>
-                <a:cs typeface="Nanum Gothic" charset="-127"/>
-              </a:rPr>
-              <a:t>Three</a:t>
-            </a:r>
-            <a:r>
-              <a:rPr lang="ko-KR" altLang="en-US" dirty="0" smtClean="0">
-                <a:latin typeface="Nanum Gothic" charset="-127"/>
-                <a:ea typeface="Nanum Gothic" charset="-127"/>
-                <a:cs typeface="Nanum Gothic" charset="-127"/>
-              </a:rPr>
-              <a:t> </a:t>
-            </a:r>
-            <a:r>
-              <a:rPr lang="en-US" altLang="ko-KR" dirty="0" smtClean="0">
-                <a:latin typeface="Nanum Gothic" charset="-127"/>
-                <a:ea typeface="Nanum Gothic" charset="-127"/>
-                <a:cs typeface="Nanum Gothic" charset="-127"/>
-              </a:rPr>
-              <a:t>pound chicken wing</a:t>
-            </a:r>
-            <a:endParaRPr lang="ko-KR" altLang="en-US" dirty="0" smtClean="0">
-              <a:latin typeface="Nanum Gothic" charset="-127"/>
-              <a:ea typeface="Nanum Gothic" charset="-127"/>
-              <a:cs typeface="Nanum Gothic" charset="-127"/>
-            </a:endParaRPr>
-          </a:p>
-        </p:txBody>
-      </p:sp>
-      <p:sp>
-        <p:nvSpPr>
-          <p:cNvPr id="5" name="Content Placeholder 4"/>
-          <p:cNvSpPr>
-            <a:spLocks noGrp="1"/>
-          </p:cNvSpPr>
-          <p:nvPr>
-            <p:ph sz="half" idx="2"/>
-          </p:nvPr>
-        </p:nvSpPr>
-        <p:spPr/>
-        <p:txBody>
-          <a:bodyPr>
-            <a:normAutofit fontScale="92500" lnSpcReduction="20000"/>
-          </a:bodyPr>
-          <a:lstStyle/>
-          <a:p>
-            <a:r>
-              <a:rPr lang="ko-KR" altLang="en-US" sz="3500" dirty="0">
-                <a:latin typeface="Nanum Gothic" charset="-127"/>
-                <a:ea typeface="Nanum Gothic" charset="-127"/>
-                <a:cs typeface="Nanum Gothic" charset="-127"/>
-              </a:rPr>
-              <a:t>포텐셔미터 </a:t>
-            </a:r>
-            <a:r>
-              <a:rPr lang="en-US" altLang="ko-KR" sz="3500" dirty="0" smtClean="0">
-                <a:latin typeface="Nanum Gothic" charset="-127"/>
-                <a:ea typeface="Nanum Gothic" charset="-127"/>
-                <a:cs typeface="Nanum Gothic" charset="-127"/>
-              </a:rPr>
-              <a:t>1:LPF/</a:t>
-            </a:r>
-            <a:r>
-              <a:rPr lang="ko-KR" altLang="en-US" sz="3500" dirty="0" smtClean="0">
-                <a:latin typeface="Nanum Gothic" charset="-127"/>
-                <a:ea typeface="Nanum Gothic" charset="-127"/>
-                <a:cs typeface="Nanum Gothic" charset="-127"/>
-              </a:rPr>
-              <a:t>비디오 클립 </a:t>
-            </a:r>
-            <a:r>
-              <a:rPr lang="en-US" altLang="ko-KR" sz="3500" dirty="0" smtClean="0">
-                <a:latin typeface="Nanum Gothic" charset="-127"/>
-                <a:ea typeface="Nanum Gothic" charset="-127"/>
-                <a:cs typeface="Nanum Gothic" charset="-127"/>
-              </a:rPr>
-              <a:t>opacity</a:t>
-            </a:r>
-          </a:p>
-          <a:p>
-            <a:endParaRPr lang="en-US" altLang="ko-KR" sz="3500" dirty="0" smtClean="0">
-              <a:latin typeface="Nanum Gothic" charset="-127"/>
-              <a:ea typeface="Nanum Gothic" charset="-127"/>
-              <a:cs typeface="Nanum Gothic" charset="-127"/>
-            </a:endParaRPr>
-          </a:p>
-          <a:p>
-            <a:r>
-              <a:rPr lang="ko-KR" altLang="en-US" sz="3500" dirty="0" smtClean="0">
-                <a:latin typeface="Nanum Gothic" charset="-127"/>
-                <a:ea typeface="Nanum Gothic" charset="-127"/>
-                <a:cs typeface="Nanum Gothic" charset="-127"/>
-              </a:rPr>
-              <a:t>포텐셔미터</a:t>
-            </a:r>
-            <a:r>
-              <a:rPr lang="en-US" altLang="ko-KR" sz="3500" dirty="0" smtClean="0">
-                <a:latin typeface="Nanum Gothic" charset="-127"/>
-                <a:ea typeface="Nanum Gothic" charset="-127"/>
-                <a:cs typeface="Nanum Gothic" charset="-127"/>
-              </a:rPr>
-              <a:t>2:bitcrusher/</a:t>
-            </a:r>
-          </a:p>
-          <a:p>
-            <a:pPr marL="0" indent="0">
-              <a:buNone/>
-            </a:pPr>
-            <a:r>
-              <a:rPr lang="ko-KR" altLang="en-US" sz="3500" dirty="0" smtClean="0">
-                <a:latin typeface="Nanum Gothic" charset="-127"/>
-                <a:ea typeface="Nanum Gothic" charset="-127"/>
-                <a:cs typeface="Nanum Gothic" charset="-127"/>
-              </a:rPr>
-              <a:t>글리치</a:t>
-            </a:r>
-            <a:endParaRPr lang="en-US" altLang="ko-KR" sz="3500" dirty="0" smtClean="0">
-              <a:latin typeface="Nanum Gothic" charset="-127"/>
-              <a:ea typeface="Nanum Gothic" charset="-127"/>
-              <a:cs typeface="Nanum Gothic" charset="-127"/>
-            </a:endParaRPr>
-          </a:p>
-          <a:p>
-            <a:endParaRPr lang="ko-KR" altLang="en-US" sz="3500" dirty="0" smtClean="0">
-              <a:latin typeface="Nanum Gothic" charset="-127"/>
-              <a:ea typeface="Nanum Gothic" charset="-127"/>
-              <a:cs typeface="Nanum Gothic" charset="-127"/>
-            </a:endParaRPr>
-          </a:p>
-          <a:p>
-            <a:r>
-              <a:rPr lang="ko-KR" altLang="en-US" sz="3500" dirty="0" smtClean="0">
-                <a:latin typeface="Nanum Gothic" charset="-127"/>
-                <a:ea typeface="Nanum Gothic" charset="-127"/>
-                <a:cs typeface="Nanum Gothic" charset="-127"/>
-              </a:rPr>
-              <a:t>포텐셔미터 </a:t>
-            </a:r>
-            <a:r>
-              <a:rPr lang="en-US" altLang="ko-KR" sz="3500" dirty="0" smtClean="0">
-                <a:latin typeface="Nanum Gothic" charset="-127"/>
-                <a:ea typeface="Nanum Gothic" charset="-127"/>
-                <a:cs typeface="Nanum Gothic" charset="-127"/>
-              </a:rPr>
-              <a:t>3: ping pong delay(</a:t>
-            </a:r>
-            <a:r>
-              <a:rPr lang="ko-KR" altLang="en-US" sz="3500" dirty="0" smtClean="0">
-                <a:latin typeface="Nanum Gothic" charset="-127"/>
-                <a:ea typeface="Nanum Gothic" charset="-127"/>
-                <a:cs typeface="Nanum Gothic" charset="-127"/>
-              </a:rPr>
-              <a:t>잔향</a:t>
-            </a:r>
-            <a:r>
-              <a:rPr lang="en-US" altLang="ko-KR" sz="3500" dirty="0" smtClean="0">
-                <a:latin typeface="Nanum Gothic" charset="-127"/>
-                <a:ea typeface="Nanum Gothic" charset="-127"/>
-                <a:cs typeface="Nanum Gothic" charset="-127"/>
-              </a:rPr>
-              <a:t>)</a:t>
-            </a:r>
-            <a:endParaRPr lang="en-US" sz="3500" dirty="0">
-              <a:latin typeface="Nanum Gothic" charset="-127"/>
-              <a:ea typeface="Nanum Gothic" charset="-127"/>
-              <a:cs typeface="Nanum Gothic" charset="-127"/>
-            </a:endParaRPr>
-          </a:p>
-          <a:p>
-            <a:endParaRPr lang="en-US" dirty="0"/>
-          </a:p>
-        </p:txBody>
-      </p:sp>
-    </p:spTree>
-    <p:extLst>
-      <p:ext uri="{BB962C8B-B14F-4D97-AF65-F5344CB8AC3E}">
-        <p14:creationId xmlns:p14="http://schemas.microsoft.com/office/powerpoint/2010/main" val="108232593"/>
-      </p:ext>
-    </p:extLst>
-  </p:cSld>
-  <p:clrMapOvr>
-    <a:masterClrMapping/>
-  </p:clrMapOvr>
-  <p:timing>
-    <p:tnLst>
-      <p:par>
-        <p:cTn id="1" dur="indefinite" restart="never" nodeType="tmRoot"/>
-      </p:par>
-    </p:tnLst>
-  </p:timing>
-</p:sld>
-</file>
-
 <file path=ppt/slides/slide7.xml><?xml version="1.0" encoding="utf-8"?>
 <p:sld xmlns:a="http://schemas.openxmlformats.org/drawingml/2006/main" xmlns:r="http://schemas.openxmlformats.org/officeDocument/2006/relationships" xmlns:p="http://schemas.openxmlformats.org/presentationml/2006/main">
   <p:cSld>
@@ -5757,12 +5378,12 @@
           <a:lstStyle/>
           <a:p>
             <a:r>
-              <a:rPr lang="en-US" dirty="0" smtClean="0">
-                <a:latin typeface="Nanum Gothic" charset="-127"/>
-                <a:ea typeface="Nanum Gothic" charset="-127"/>
-                <a:cs typeface="Nanum Gothic" charset="-127"/>
-              </a:rPr>
-              <a:t>YOUTUBE</a:t>
+              <a:rPr lang="ko-KR" altLang="en-US" dirty="0" smtClean="0">
+                <a:latin typeface="Nanum Gothic" charset="-127"/>
+                <a:ea typeface="Nanum Gothic" charset="-127"/>
+                <a:cs typeface="Nanum Gothic" charset="-127"/>
+              </a:rPr>
+              <a:t>매핑</a:t>
             </a:r>
             <a:endParaRPr lang="en-US" dirty="0">
               <a:latin typeface="Nanum Gothic" charset="-127"/>
@@ -5779,12 +5400,14 @@
             <a:spLocks noGrp="1"/>
           </p:cNvSpPr>
           <p:nvPr>
-            <p:ph idx="1"/>
-          </p:nvPr>
-        </p:nvSpPr>
-        <p:spPr/>
-        <p:txBody>
-          <a:bodyPr/>
+            <p:ph sz="half" idx="1"/>
+          </p:nvPr>
+        </p:nvSpPr>
+        <p:spPr/>
+        <p:txBody>
+          <a:bodyPr>
+            <a:normAutofit fontScale="92500" lnSpcReduction="20000"/>
+          </a:bodyPr>
           <a:lstStyle/>
           <a:p>
             <a:r>
@@ -5792,27 +5415,335 @@
                 <a:latin typeface="Nanum Gothic" charset="-127"/>
                 <a:ea typeface="Nanum Gothic" charset="-127"/>
                 <a:cs typeface="Nanum Gothic" charset="-127"/>
-                <a:hlinkClick r:id="rId3"/>
-              </a:rPr>
-              <a:t>https</a:t>
-            </a:r>
-            <a:r>
-              <a:rPr lang="en-US" dirty="0">
-                <a:latin typeface="Nanum Gothic" charset="-127"/>
-                <a:ea typeface="Nanum Gothic" charset="-127"/>
-                <a:cs typeface="Nanum Gothic" charset="-127"/>
-                <a:hlinkClick r:id="rId3"/>
-              </a:rPr>
-              <a:t>://</a:t>
-            </a:r>
+              </a:rPr>
+              <a:t>C4: </a:t>
+            </a:r>
+            <a:r>
+              <a:rPr lang="ko-KR" altLang="en-US" dirty="0" smtClean="0">
+                <a:latin typeface="Nanum Gothic" charset="-127"/>
+                <a:ea typeface="Nanum Gothic" charset="-127"/>
+                <a:cs typeface="Nanum Gothic" charset="-127"/>
+              </a:rPr>
+              <a:t>비디오 클립 랜덤 트리거</a:t>
+            </a:r>
+            <a:endParaRPr lang="en-US" dirty="0" smtClean="0">
+              <a:latin typeface="Nanum Gothic" charset="-127"/>
+              <a:ea typeface="Nanum Gothic" charset="-127"/>
+              <a:cs typeface="Nanum Gothic" charset="-127"/>
+            </a:endParaRPr>
+          </a:p>
+          <a:p>
             <a:r>
               <a:rPr lang="en-US" dirty="0" smtClean="0">
                 <a:latin typeface="Nanum Gothic" charset="-127"/>
                 <a:ea typeface="Nanum Gothic" charset="-127"/>
                 <a:cs typeface="Nanum Gothic" charset="-127"/>
-                <a:hlinkClick r:id="rId3"/>
-              </a:rPr>
-              <a:t>www.youtube.com/watch?v=Q83aIwn69yk</a:t>
+              </a:rPr>
+              <a:t>D</a:t>
+            </a:r>
+            <a:r>
+              <a:rPr lang="en-US" altLang="ko-KR" dirty="0" smtClean="0">
+                <a:latin typeface="Nanum Gothic" charset="-127"/>
+                <a:ea typeface="Nanum Gothic" charset="-127"/>
+                <a:cs typeface="Nanum Gothic" charset="-127"/>
+              </a:rPr>
+              <a:t>4: zoom blur</a:t>
+            </a:r>
+            <a:endParaRPr lang="en-US" dirty="0" smtClean="0">
+              <a:latin typeface="Nanum Gothic" charset="-127"/>
+              <a:ea typeface="Nanum Gothic" charset="-127"/>
+              <a:cs typeface="Nanum Gothic" charset="-127"/>
+            </a:endParaRPr>
+          </a:p>
+          <a:p>
+            <a:r>
+              <a:rPr lang="en-US" dirty="0" smtClean="0">
+                <a:latin typeface="Nanum Gothic" charset="-127"/>
+                <a:ea typeface="Nanum Gothic" charset="-127"/>
+                <a:cs typeface="Nanum Gothic" charset="-127"/>
+              </a:rPr>
+              <a:t>E</a:t>
+            </a:r>
+            <a:r>
+              <a:rPr lang="en-US" altLang="ko-KR" dirty="0" smtClean="0">
+                <a:latin typeface="Nanum Gothic" charset="-127"/>
+                <a:ea typeface="Nanum Gothic" charset="-127"/>
+                <a:cs typeface="Nanum Gothic" charset="-127"/>
+              </a:rPr>
+              <a:t>4:</a:t>
+            </a:r>
+            <a:r>
+              <a:rPr lang="ko-KR" altLang="en-US" dirty="0" smtClean="0">
+                <a:latin typeface="Nanum Gothic" charset="-127"/>
+                <a:ea typeface="Nanum Gothic" charset="-127"/>
+                <a:cs typeface="Nanum Gothic" charset="-127"/>
+              </a:rPr>
+              <a:t> </a:t>
+            </a:r>
+            <a:r>
+              <a:rPr lang="en-US" altLang="ko-KR" dirty="0" smtClean="0">
+                <a:latin typeface="Nanum Gothic" charset="-127"/>
+                <a:ea typeface="Nanum Gothic" charset="-127"/>
+                <a:cs typeface="Nanum Gothic" charset="-127"/>
+              </a:rPr>
+              <a:t>Reflected tile(</a:t>
+            </a:r>
+            <a:r>
+              <a:rPr lang="ko-KR" altLang="en-US" dirty="0" smtClean="0">
+                <a:latin typeface="Nanum Gothic" charset="-127"/>
+                <a:ea typeface="Nanum Gothic" charset="-127"/>
+                <a:cs typeface="Nanum Gothic" charset="-127"/>
+              </a:rPr>
+              <a:t>만화경</a:t>
+            </a:r>
+            <a:r>
+              <a:rPr lang="en-US" altLang="ko-KR" dirty="0" smtClean="0">
+                <a:latin typeface="Nanum Gothic" charset="-127"/>
+                <a:ea typeface="Nanum Gothic" charset="-127"/>
+                <a:cs typeface="Nanum Gothic" charset="-127"/>
+              </a:rPr>
+              <a:t>)</a:t>
+            </a:r>
+            <a:r>
+              <a:rPr lang="ko-KR" altLang="en-US" dirty="0" smtClean="0">
+                <a:latin typeface="Nanum Gothic" charset="-127"/>
+                <a:ea typeface="Nanum Gothic" charset="-127"/>
+                <a:cs typeface="Nanum Gothic" charset="-127"/>
+              </a:rPr>
+              <a:t> </a:t>
+            </a:r>
+            <a:endParaRPr lang="en-US" dirty="0" smtClean="0">
+              <a:latin typeface="Nanum Gothic" charset="-127"/>
+              <a:ea typeface="Nanum Gothic" charset="-127"/>
+              <a:cs typeface="Nanum Gothic" charset="-127"/>
+            </a:endParaRPr>
+          </a:p>
+          <a:p>
+            <a:r>
+              <a:rPr lang="en-US" dirty="0" smtClean="0">
+                <a:latin typeface="Nanum Gothic" charset="-127"/>
+                <a:ea typeface="Nanum Gothic" charset="-127"/>
+                <a:cs typeface="Nanum Gothic" charset="-127"/>
+              </a:rPr>
+              <a:t>F</a:t>
+            </a:r>
+            <a:r>
+              <a:rPr lang="en-US" altLang="ko-KR" dirty="0" smtClean="0">
+                <a:latin typeface="Nanum Gothic" charset="-127"/>
+                <a:ea typeface="Nanum Gothic" charset="-127"/>
+                <a:cs typeface="Nanum Gothic" charset="-127"/>
+              </a:rPr>
+              <a:t>4:</a:t>
+            </a:r>
+            <a:r>
+              <a:rPr lang="ko-KR" altLang="en-US" dirty="0" smtClean="0">
+                <a:latin typeface="Nanum Gothic" charset="-127"/>
+                <a:ea typeface="Nanum Gothic" charset="-127"/>
+                <a:cs typeface="Nanum Gothic" charset="-127"/>
+              </a:rPr>
+              <a:t> </a:t>
+            </a:r>
+            <a:r>
+              <a:rPr lang="en-US" altLang="ko-KR" dirty="0" smtClean="0">
+                <a:latin typeface="Nanum Gothic" charset="-127"/>
+                <a:ea typeface="Nanum Gothic" charset="-127"/>
+                <a:cs typeface="Nanum Gothic" charset="-127"/>
+              </a:rPr>
+              <a:t>fade</a:t>
+            </a:r>
+            <a:r>
+              <a:rPr lang="ko-KR" altLang="en-US" dirty="0" smtClean="0">
+                <a:latin typeface="Nanum Gothic" charset="-127"/>
+                <a:ea typeface="Nanum Gothic" charset="-127"/>
+                <a:cs typeface="Nanum Gothic" charset="-127"/>
+              </a:rPr>
+              <a:t> 모드</a:t>
+            </a:r>
+            <a:endParaRPr lang="en-US" dirty="0" smtClean="0">
+              <a:latin typeface="Nanum Gothic" charset="-127"/>
+              <a:ea typeface="Nanum Gothic" charset="-127"/>
+              <a:cs typeface="Nanum Gothic" charset="-127"/>
+            </a:endParaRPr>
+          </a:p>
+          <a:p>
+            <a:r>
+              <a:rPr lang="en-US" dirty="0" smtClean="0">
+                <a:latin typeface="Nanum Gothic" charset="-127"/>
+                <a:ea typeface="Nanum Gothic" charset="-127"/>
+                <a:cs typeface="Nanum Gothic" charset="-127"/>
+              </a:rPr>
+              <a:t>G</a:t>
+            </a:r>
+            <a:r>
+              <a:rPr lang="en-US" altLang="ko-KR" dirty="0" smtClean="0">
+                <a:latin typeface="Nanum Gothic" charset="-127"/>
+                <a:ea typeface="Nanum Gothic" charset="-127"/>
+                <a:cs typeface="Nanum Gothic" charset="-127"/>
+              </a:rPr>
+              <a:t>4: strobe</a:t>
+            </a:r>
+            <a:r>
+              <a:rPr lang="ko-KR" altLang="en-US" dirty="0" smtClean="0">
+                <a:latin typeface="Nanum Gothic" charset="-127"/>
+                <a:ea typeface="Nanum Gothic" charset="-127"/>
+                <a:cs typeface="Nanum Gothic" charset="-127"/>
+              </a:rPr>
+              <a:t> 모드</a:t>
+            </a:r>
+            <a:endParaRPr lang="en-US" dirty="0" smtClean="0">
+              <a:latin typeface="Nanum Gothic" charset="-127"/>
+              <a:ea typeface="Nanum Gothic" charset="-127"/>
+              <a:cs typeface="Nanum Gothic" charset="-127"/>
+            </a:endParaRPr>
+          </a:p>
+          <a:p>
+            <a:r>
+              <a:rPr lang="en-US" dirty="0" smtClean="0">
+                <a:latin typeface="Nanum Gothic" charset="-127"/>
+                <a:ea typeface="Nanum Gothic" charset="-127"/>
+                <a:cs typeface="Nanum Gothic" charset="-127"/>
+              </a:rPr>
+              <a:t>A</a:t>
+            </a:r>
+            <a:r>
+              <a:rPr lang="en-US" altLang="ko-KR" dirty="0" smtClean="0">
+                <a:latin typeface="Nanum Gothic" charset="-127"/>
+                <a:ea typeface="Nanum Gothic" charset="-127"/>
+                <a:cs typeface="Nanum Gothic" charset="-127"/>
+              </a:rPr>
+              <a:t>4:Lean On (Delta heavy remix)</a:t>
+            </a:r>
+            <a:endParaRPr lang="en-US" dirty="0" smtClean="0">
+              <a:latin typeface="Nanum Gothic" charset="-127"/>
+              <a:ea typeface="Nanum Gothic" charset="-127"/>
+              <a:cs typeface="Nanum Gothic" charset="-127"/>
+            </a:endParaRPr>
+          </a:p>
+          <a:p>
+            <a:r>
+              <a:rPr lang="en-US" dirty="0" smtClean="0">
+                <a:latin typeface="Nanum Gothic" charset="-127"/>
+                <a:ea typeface="Nanum Gothic" charset="-127"/>
+                <a:cs typeface="Nanum Gothic" charset="-127"/>
+              </a:rPr>
+              <a:t>B</a:t>
+            </a:r>
+            <a:r>
+              <a:rPr lang="en-US" altLang="ko-KR" dirty="0" smtClean="0">
+                <a:latin typeface="Nanum Gothic" charset="-127"/>
+                <a:ea typeface="Nanum Gothic" charset="-127"/>
+                <a:cs typeface="Nanum Gothic" charset="-127"/>
+              </a:rPr>
+              <a:t>4:Punish my love VIP</a:t>
+            </a:r>
+            <a:endParaRPr lang="en-US" dirty="0" smtClean="0">
+              <a:latin typeface="Nanum Gothic" charset="-127"/>
+              <a:ea typeface="Nanum Gothic" charset="-127"/>
+              <a:cs typeface="Nanum Gothic" charset="-127"/>
+            </a:endParaRPr>
+          </a:p>
+          <a:p>
+            <a:r>
+              <a:rPr lang="en-US" dirty="0" smtClean="0">
+                <a:latin typeface="Nanum Gothic" charset="-127"/>
+                <a:ea typeface="Nanum Gothic" charset="-127"/>
+                <a:cs typeface="Nanum Gothic" charset="-127"/>
+              </a:rPr>
+              <a:t>C</a:t>
+            </a:r>
+            <a:r>
+              <a:rPr lang="en-US" altLang="ko-KR" dirty="0" smtClean="0">
+                <a:latin typeface="Nanum Gothic" charset="-127"/>
+                <a:ea typeface="Nanum Gothic" charset="-127"/>
+                <a:cs typeface="Nanum Gothic" charset="-127"/>
+              </a:rPr>
+              <a:t>5:Face Down</a:t>
+            </a:r>
+            <a:endParaRPr lang="en-US" dirty="0" smtClean="0">
+              <a:latin typeface="Nanum Gothic" charset="-127"/>
+              <a:ea typeface="Nanum Gothic" charset="-127"/>
+              <a:cs typeface="Nanum Gothic" charset="-127"/>
+            </a:endParaRPr>
+          </a:p>
+          <a:p>
+            <a:r>
+              <a:rPr lang="en-US" dirty="0" smtClean="0">
+                <a:latin typeface="Nanum Gothic" charset="-127"/>
+                <a:ea typeface="Nanum Gothic" charset="-127"/>
+                <a:cs typeface="Nanum Gothic" charset="-127"/>
+              </a:rPr>
+              <a:t>D</a:t>
+            </a:r>
+            <a:r>
+              <a:rPr lang="en-US" altLang="ko-KR" dirty="0" smtClean="0">
+                <a:latin typeface="Nanum Gothic" charset="-127"/>
+                <a:ea typeface="Nanum Gothic" charset="-127"/>
+                <a:cs typeface="Nanum Gothic" charset="-127"/>
+              </a:rPr>
+              <a:t>5:</a:t>
+            </a:r>
+            <a:r>
+              <a:rPr lang="ko-KR" altLang="en-US" dirty="0" smtClean="0">
+                <a:latin typeface="Nanum Gothic" charset="-127"/>
+                <a:ea typeface="Nanum Gothic" charset="-127"/>
+                <a:cs typeface="Nanum Gothic" charset="-127"/>
+              </a:rPr>
+              <a:t>비디오 클립 초기화</a:t>
+            </a:r>
+            <a:endParaRPr lang="en-US" dirty="0" smtClean="0">
+              <a:latin typeface="Nanum Gothic" charset="-127"/>
+              <a:ea typeface="Nanum Gothic" charset="-127"/>
+              <a:cs typeface="Nanum Gothic" charset="-127"/>
+            </a:endParaRPr>
+          </a:p>
+          <a:p>
+            <a:r>
+              <a:rPr lang="en-US" dirty="0" smtClean="0">
+                <a:latin typeface="Nanum Gothic" charset="-127"/>
+                <a:ea typeface="Nanum Gothic" charset="-127"/>
+                <a:cs typeface="Nanum Gothic" charset="-127"/>
+              </a:rPr>
+              <a:t>E</a:t>
+            </a:r>
+            <a:r>
+              <a:rPr lang="en-US" altLang="ko-KR" dirty="0" smtClean="0">
+                <a:latin typeface="Nanum Gothic" charset="-127"/>
+                <a:ea typeface="Nanum Gothic" charset="-127"/>
+                <a:cs typeface="Nanum Gothic" charset="-127"/>
+              </a:rPr>
+              <a:t>5:</a:t>
+            </a:r>
+            <a:r>
+              <a:rPr lang="ko-KR" altLang="en-US" dirty="0" smtClean="0">
+                <a:latin typeface="Nanum Gothic" charset="-127"/>
+                <a:ea typeface="Nanum Gothic" charset="-127"/>
+                <a:cs typeface="Nanum Gothic" charset="-127"/>
+              </a:rPr>
+              <a:t> </a:t>
+            </a:r>
+            <a:r>
+              <a:rPr lang="en-US" altLang="ko-KR" dirty="0" smtClean="0">
+                <a:latin typeface="Nanum Gothic" charset="-127"/>
+                <a:ea typeface="Nanum Gothic" charset="-127"/>
+                <a:cs typeface="Nanum Gothic" charset="-127"/>
+              </a:rPr>
+              <a:t>Three</a:t>
+            </a:r>
+            <a:r>
+              <a:rPr lang="ko-KR" altLang="en-US" dirty="0" smtClean="0">
+                <a:latin typeface="Nanum Gothic" charset="-127"/>
+                <a:ea typeface="Nanum Gothic" charset="-127"/>
+                <a:cs typeface="Nanum Gothic" charset="-127"/>
+              </a:rPr>
+              <a:t> </a:t>
+            </a:r>
+            <a:r>
+              <a:rPr lang="en-US" altLang="ko-KR" dirty="0" smtClean="0">
+                <a:latin typeface="Nanum Gothic" charset="-127"/>
+                <a:ea typeface="Nanum Gothic" charset="-127"/>
+                <a:cs typeface="Nanum Gothic" charset="-127"/>
+              </a:rPr>
+              <a:t>pound chicken wing</a:t>
             </a:r>
             <a:endParaRPr lang="ko-KR" altLang="en-US" dirty="0" smtClean="0">
               <a:latin typeface="Nanum Gothic" charset="-127"/>
@@ -5820,19 +5751,156 @@
               <a:cs typeface="Nanum Gothic" charset="-127"/>
             </a:endParaRPr>
           </a:p>
-          <a:p>
-            <a:endParaRPr lang="en-US" dirty="0">
+        </p:txBody>
+      </p:sp>
+      <p:sp>
+        <p:nvSpPr>
+          <p:cNvPr id="5" name="Content Placeholder 4"/>
+          <p:cNvSpPr>
+            <a:spLocks noGrp="1"/>
+          </p:cNvSpPr>
+          <p:nvPr>
+            <p:ph sz="half" idx="2"/>
+          </p:nvPr>
+        </p:nvSpPr>
+        <p:spPr/>
+        <p:txBody>
+          <a:bodyPr>
+            <a:normAutofit fontScale="92500" lnSpcReduction="20000"/>
+          </a:bodyPr>
+          <a:lstStyle/>
+          <a:p>
+            <a:r>
+              <a:rPr lang="ko-KR" altLang="en-US" sz="3500" dirty="0">
+                <a:latin typeface="Nanum Gothic" charset="-127"/>
+                <a:ea typeface="Nanum Gothic" charset="-127"/>
+                <a:cs typeface="Nanum Gothic" charset="-127"/>
+              </a:rPr>
+              <a:t>포텐셔미터 </a:t>
+            </a:r>
+            <a:r>
+              <a:rPr lang="en-US" altLang="ko-KR" sz="3500" dirty="0" smtClean="0">
+                <a:latin typeface="Nanum Gothic" charset="-127"/>
+                <a:ea typeface="Nanum Gothic" charset="-127"/>
+                <a:cs typeface="Nanum Gothic" charset="-127"/>
+              </a:rPr>
+              <a:t>1:LPF/</a:t>
+            </a:r>
+            <a:r>
+              <a:rPr lang="ko-KR" altLang="en-US" sz="3500" dirty="0" smtClean="0">
+                <a:latin typeface="Nanum Gothic" charset="-127"/>
+                <a:ea typeface="Nanum Gothic" charset="-127"/>
+                <a:cs typeface="Nanum Gothic" charset="-127"/>
+              </a:rPr>
+              <a:t>비디오 클립 </a:t>
+            </a:r>
+            <a:r>
+              <a:rPr lang="en-US" altLang="ko-KR" sz="3500" dirty="0" smtClean="0">
+                <a:latin typeface="Nanum Gothic" charset="-127"/>
+                <a:ea typeface="Nanum Gothic" charset="-127"/>
+                <a:cs typeface="Nanum Gothic" charset="-127"/>
+              </a:rPr>
+              <a:t>opacity</a:t>
+            </a:r>
+          </a:p>
+          <a:p>
+            <a:endParaRPr lang="en-US" altLang="ko-KR" sz="3500" dirty="0" smtClean="0">
               <a:latin typeface="Nanum Gothic" charset="-127"/>
               <a:ea typeface="Nanum Gothic" charset="-127"/>
               <a:cs typeface="Nanum Gothic" charset="-127"/>
             </a:endParaRPr>
           </a:p>
+          <a:p>
+            <a:r>
+              <a:rPr lang="ko-KR" altLang="en-US" sz="3500" dirty="0" smtClean="0">
+                <a:latin typeface="Nanum Gothic" charset="-127"/>
+                <a:ea typeface="Nanum Gothic" charset="-127"/>
+                <a:cs typeface="Nanum Gothic" charset="-127"/>
+              </a:rPr>
+              <a:t>포텐셔미터</a:t>
+            </a:r>
+            <a:r>
+              <a:rPr lang="en-US" altLang="ko-KR" sz="3500" dirty="0" smtClean="0">
+                <a:latin typeface="Nanum Gothic" charset="-127"/>
+                <a:ea typeface="Nanum Gothic" charset="-127"/>
+                <a:cs typeface="Nanum Gothic" charset="-127"/>
+              </a:rPr>
+              <a:t>2:bitcrusher/</a:t>
+            </a:r>
+          </a:p>
+          <a:p>
+            <a:pPr marL="0" indent="0">
+              <a:buNone/>
+            </a:pPr>
+            <a:r>
+              <a:rPr lang="ko-KR" altLang="en-US" sz="3500" dirty="0" smtClean="0">
+                <a:latin typeface="Nanum Gothic" charset="-127"/>
+                <a:ea typeface="Nanum Gothic" charset="-127"/>
+                <a:cs typeface="Nanum Gothic" charset="-127"/>
+              </a:rPr>
+              <a:t>글리치</a:t>
+            </a:r>
+            <a:endParaRPr lang="en-US" altLang="ko-KR" sz="3500" dirty="0" smtClean="0">
+              <a:latin typeface="Nanum Gothic" charset="-127"/>
+              <a:ea typeface="Nanum Gothic" charset="-127"/>
+              <a:cs typeface="Nanum Gothic" charset="-127"/>
+            </a:endParaRPr>
+          </a:p>
+          <a:p>
+            <a:endParaRPr lang="ko-KR" altLang="en-US" sz="3500" dirty="0" smtClean="0">
+              <a:latin typeface="Nanum Gothic" charset="-127"/>
+              <a:ea typeface="Nanum Gothic" charset="-127"/>
+              <a:cs typeface="Nanum Gothic" charset="-127"/>
+            </a:endParaRPr>
+          </a:p>
+          <a:p>
+            <a:r>
+              <a:rPr lang="ko-KR" altLang="en-US" sz="3500" dirty="0" smtClean="0">
+                <a:latin typeface="Nanum Gothic" charset="-127"/>
+                <a:ea typeface="Nanum Gothic" charset="-127"/>
+                <a:cs typeface="Nanum Gothic" charset="-127"/>
+              </a:rPr>
+              <a:t>포텐셔미터 </a:t>
+            </a:r>
+            <a:r>
+              <a:rPr lang="en-US" altLang="ko-KR" sz="3500" dirty="0" smtClean="0">
+                <a:latin typeface="Nanum Gothic" charset="-127"/>
+                <a:ea typeface="Nanum Gothic" charset="-127"/>
+                <a:cs typeface="Nanum Gothic" charset="-127"/>
+              </a:rPr>
+              <a:t>3: ping pong delay(</a:t>
+            </a:r>
+            <a:r>
+              <a:rPr lang="ko-KR" altLang="en-US" sz="3500" dirty="0" smtClean="0">
+                <a:latin typeface="Nanum Gothic" charset="-127"/>
+                <a:ea typeface="Nanum Gothic" charset="-127"/>
+                <a:cs typeface="Nanum Gothic" charset="-127"/>
+              </a:rPr>
+              <a:t>잔향</a:t>
+            </a:r>
+            <a:r>
+              <a:rPr lang="en-US" altLang="ko-KR" sz="3500" dirty="0" smtClean="0">
+                <a:latin typeface="Nanum Gothic" charset="-127"/>
+                <a:ea typeface="Nanum Gothic" charset="-127"/>
+                <a:cs typeface="Nanum Gothic" charset="-127"/>
+              </a:rPr>
+              <a:t>)</a:t>
+            </a:r>
+            <a:endParaRPr lang="en-US" sz="3500" dirty="0">
+              <a:latin typeface="Nanum Gothic" charset="-127"/>
+              <a:ea typeface="Nanum Gothic" charset="-127"/>
+              <a:cs typeface="Nanum Gothic" charset="-127"/>
+            </a:endParaRPr>
+          </a:p>
+          <a:p>
+            <a:endParaRPr lang="en-US" dirty="0"/>
+          </a:p>
         </p:txBody>
       </p:sp>
     </p:spTree>
     <p:extLst>
       <p:ext uri="{BB962C8B-B14F-4D97-AF65-F5344CB8AC3E}">
-        <p14:creationId xmlns:p14="http://schemas.microsoft.com/office/powerpoint/2010/main" val="2044385681"/>
+        <p14:creationId xmlns:p14="http://schemas.microsoft.com/office/powerpoint/2010/main" val="108232593"/>
       </p:ext>
     </p:extLst>
   </p:cSld>
@@ -5876,24 +5944,18 @@
             <p:ph type="title"/>
           </p:nvPr>
         </p:nvSpPr>
-        <p:spPr>
-          <a:xfrm>
-            <a:off x="838200" y="2386427"/>
-            <a:ext cx="10515600" cy="1325563"/>
-          </a:xfrm>
-        </p:spPr>
-        <p:txBody>
-          <a:bodyPr/>
-          <a:lstStyle/>
-          <a:p>
-            <a:pPr algn="ctr"/>
-            <a:r>
-              <a:rPr lang="ko-KR" altLang="en-US" dirty="0" smtClean="0">
-                <a:latin typeface="Nanum Gothic" charset="-127"/>
-                <a:ea typeface="Nanum Gothic" charset="-127"/>
-                <a:cs typeface="Nanum Gothic" charset="-127"/>
-              </a:rPr>
-              <a:t>시연</a:t>
+        <p:spPr/>
+        <p:txBody>
+          <a:bodyPr/>
+          <a:lstStyle/>
+          <a:p>
+            <a:r>
+              <a:rPr lang="en-US" dirty="0" smtClean="0">
+                <a:latin typeface="Nanum Gothic" charset="-127"/>
+                <a:ea typeface="Nanum Gothic" charset="-127"/>
+                <a:cs typeface="Nanum Gothic" charset="-127"/>
+              </a:rPr>
+              <a:t>YOUTUBE</a:t>
             </a:r>
             <a:endParaRPr lang="en-US" dirty="0">
               <a:latin typeface="Nanum Gothic" charset="-127"/>
@@ -5903,10 +5965,67 @@
           </a:p>
         </p:txBody>
       </p:sp>
+      <p:sp>
+        <p:nvSpPr>
+          <p:cNvPr id="3" name="Content Placeholder 2"/>
+          <p:cNvSpPr>
+            <a:spLocks noGrp="1"/>
+          </p:cNvSpPr>
+          <p:nvPr>
+            <p:ph idx="1"/>
+          </p:nvPr>
+        </p:nvSpPr>
+        <p:spPr/>
+        <p:txBody>
+          <a:bodyPr/>
+          <a:lstStyle/>
+          <a:p>
+            <a:r>
+              <a:rPr lang="en-US" dirty="0" smtClean="0">
+                <a:latin typeface="Nanum Gothic" charset="-127"/>
+                <a:ea typeface="Nanum Gothic" charset="-127"/>
+                <a:cs typeface="Nanum Gothic" charset="-127"/>
+                <a:hlinkClick r:id="rId3"/>
+              </a:rPr>
+              <a:t>https</a:t>
+            </a:r>
+            <a:r>
+              <a:rPr lang="en-US" dirty="0">
+                <a:latin typeface="Nanum Gothic" charset="-127"/>
+                <a:ea typeface="Nanum Gothic" charset="-127"/>
+                <a:cs typeface="Nanum Gothic" charset="-127"/>
+                <a:hlinkClick r:id="rId3"/>
+              </a:rPr>
+              <a:t>://</a:t>
+            </a:r>
+            <a:r>
+              <a:rPr lang="en-US" dirty="0" smtClean="0">
+                <a:latin typeface="Nanum Gothic" charset="-127"/>
+                <a:ea typeface="Nanum Gothic" charset="-127"/>
+                <a:cs typeface="Nanum Gothic" charset="-127"/>
+                <a:hlinkClick r:id="rId3"/>
+              </a:rPr>
+              <a:t>www.youtube.com/watch?v=Q83aIwn69yk</a:t>
+            </a:r>
+            <a:endParaRPr lang="ko-KR" altLang="en-US" dirty="0" smtClean="0">
+              <a:latin typeface="Nanum Gothic" charset="-127"/>
+              <a:ea typeface="Nanum Gothic" charset="-127"/>
+              <a:cs typeface="Nanum Gothic" charset="-127"/>
+            </a:endParaRPr>
+          </a:p>
+          <a:p>
+            <a:endParaRPr lang="en-US" dirty="0">
+              <a:latin typeface="Nanum Gothic" charset="-127"/>
+              <a:ea typeface="Nanum Gothic" charset="-127"/>
+              <a:cs typeface="Nanum Gothic" charset="-127"/>
+            </a:endParaRPr>
+          </a:p>
+        </p:txBody>
+      </p:sp>
     </p:spTree>
     <p:extLst>
       <p:ext uri="{BB962C8B-B14F-4D97-AF65-F5344CB8AC3E}">
-        <p14:creationId xmlns:p14="http://schemas.microsoft.com/office/powerpoint/2010/main" val="977308848"/>
+        <p14:creationId xmlns:p14="http://schemas.microsoft.com/office/powerpoint/2010/main" val="2044385681"/>
       </p:ext>
     </p:extLst>
   </p:cSld>
@@ -5942,54 +6061,45 @@
       </p:grpSpPr>
       <p:sp>
         <p:nvSpPr>
-          <p:cNvPr id="3" name="Content Placeholder 2"/>
-          <p:cNvSpPr>
-            <a:spLocks noGrp="1"/>
-          </p:cNvSpPr>
-          <p:nvPr>
-            <p:ph idx="1"/>
-          </p:nvPr>
-        </p:nvSpPr>
-        <p:spPr/>
-        <p:txBody>
-          <a:bodyPr>
-            <a:normAutofit/>
-          </a:bodyPr>
-          <a:lstStyle/>
-          <a:p>
-            <a:pPr marL="0" indent="0" algn="ctr">
-              <a:buNone/>
-            </a:pPr>
-            <a:endParaRPr lang="en-US" sz="6600" dirty="0" smtClean="0">
+          <p:cNvPr id="2" name="Title 1"/>
+          <p:cNvSpPr>
+            <a:spLocks noGrp="1"/>
+          </p:cNvSpPr>
+          <p:nvPr>
+            <p:ph type="title"/>
+          </p:nvPr>
+        </p:nvSpPr>
+        <p:spPr>
+          <a:xfrm>
+            <a:off x="838200" y="2386427"/>
+            <a:ext cx="10515600" cy="1325563"/>
+          </a:xfrm>
+        </p:spPr>
+        <p:txBody>
+          <a:bodyPr/>
+          <a:lstStyle/>
+          <a:p>
+            <a:pPr algn="ctr"/>
+            <a:r>
+              <a:rPr lang="ko-KR" altLang="en-US" dirty="0" smtClean="0">
+                <a:latin typeface="Nanum Gothic" charset="-127"/>
+                <a:ea typeface="Nanum Gothic" charset="-127"/>
+                <a:cs typeface="Nanum Gothic" charset="-127"/>
+              </a:rPr>
+              <a:t>시연</a:t>
+            </a:r>
+            <a:endParaRPr lang="en-US" dirty="0">
               <a:latin typeface="Nanum Gothic" charset="-127"/>
               <a:ea typeface="Nanum Gothic" charset="-127"/>
               <a:cs typeface="Nanum Gothic" charset="-127"/>
             </a:endParaRPr>
           </a:p>
-          <a:p>
-            <a:pPr marL="0" indent="0" algn="ctr">
-              <a:buNone/>
-            </a:pPr>
-            <a:r>
-              <a:rPr lang="en-US" sz="6600" dirty="0" smtClean="0">
-                <a:latin typeface="Nanum Gothic" charset="-127"/>
-                <a:ea typeface="Nanum Gothic" charset="-127"/>
-                <a:cs typeface="Nanum Gothic" charset="-127"/>
-              </a:rPr>
-              <a:t>END</a:t>
-            </a:r>
-            <a:endParaRPr lang="en-US" sz="6600" dirty="0">
-              <a:latin typeface="Nanum Gothic" charset="-127"/>
-              <a:ea typeface="Nanum Gothic" charset="-127"/>
-              <a:cs typeface="Nanum Gothic" charset="-127"/>
-            </a:endParaRPr>
-          </a:p>
         </p:txBody>
       </p:sp>
     </p:spTree>
     <p:extLst>
       <p:ext uri="{BB962C8B-B14F-4D97-AF65-F5344CB8AC3E}">
-        <p14:creationId xmlns:p14="http://schemas.microsoft.com/office/powerpoint/2010/main" val="784726443"/>
+        <p14:creationId xmlns:p14="http://schemas.microsoft.com/office/powerpoint/2010/main" val="977308848"/>
       </p:ext>
     </p:extLst>
   </p:cSld>

--- a/ppt/Presentation_hivrid.pptx
+++ b/ppt/Presentation_hivrid.pptx
@@ -206,7 +206,7 @@
           <a:p>
             <a:fld id="{421947BD-FCDD-1544-92F1-58D9B6E74EF4}" type="datetimeFigureOut">
               <a:rPr lang="en-US" smtClean="0"/>
-              <a:t>12/13/16</a:t>
+              <a:t>12/16/16</a:t>
             </a:fld>
             <a:endParaRPr lang="en-US"/>
           </a:p>
@@ -1193,7 +1193,7 @@
           <a:p>
             <a:fld id="{034D05EE-0391-1E4B-B037-C1AAAC49336B}" type="datetimeFigureOut">
               <a:rPr lang="en-US" smtClean="0"/>
-              <a:t>12/13/16</a:t>
+              <a:t>12/16/16</a:t>
             </a:fld>
             <a:endParaRPr lang="en-US"/>
           </a:p>
@@ -1363,7 +1363,7 @@
           <a:p>
             <a:fld id="{034D05EE-0391-1E4B-B037-C1AAAC49336B}" type="datetimeFigureOut">
               <a:rPr lang="en-US" smtClean="0"/>
-              <a:t>12/13/16</a:t>
+              <a:t>12/16/16</a:t>
             </a:fld>
             <a:endParaRPr lang="en-US"/>
           </a:p>
@@ -1543,7 +1543,7 @@
           <a:p>
             <a:fld id="{034D05EE-0391-1E4B-B037-C1AAAC49336B}" type="datetimeFigureOut">
               <a:rPr lang="en-US" smtClean="0"/>
-              <a:t>12/13/16</a:t>
+              <a:t>12/16/16</a:t>
             </a:fld>
             <a:endParaRPr lang="en-US"/>
           </a:p>
@@ -1713,7 +1713,7 @@
           <a:p>
             <a:fld id="{034D05EE-0391-1E4B-B037-C1AAAC49336B}" type="datetimeFigureOut">
               <a:rPr lang="en-US" smtClean="0"/>
-              <a:t>12/13/16</a:t>
+              <a:t>12/16/16</a:t>
             </a:fld>
             <a:endParaRPr lang="en-US"/>
           </a:p>
@@ -1959,7 +1959,7 @@
           <a:p>
             <a:fld id="{034D05EE-0391-1E4B-B037-C1AAAC49336B}" type="datetimeFigureOut">
               <a:rPr lang="en-US" smtClean="0"/>
-              <a:t>12/13/16</a:t>
+              <a:t>12/16/16</a:t>
             </a:fld>
             <a:endParaRPr lang="en-US"/>
           </a:p>
@@ -2191,7 +2191,7 @@
           <a:p>
             <a:fld id="{034D05EE-0391-1E4B-B037-C1AAAC49336B}" type="datetimeFigureOut">
               <a:rPr lang="en-US" smtClean="0"/>
-              <a:t>12/13/16</a:t>
+              <a:t>12/16/16</a:t>
             </a:fld>
             <a:endParaRPr lang="en-US"/>
           </a:p>
@@ -2558,7 +2558,7 @@
           <a:p>
             <a:fld id="{034D05EE-0391-1E4B-B037-C1AAAC49336B}" type="datetimeFigureOut">
               <a:rPr lang="en-US" smtClean="0"/>
-              <a:t>12/13/16</a:t>
+              <a:t>12/16/16</a:t>
             </a:fld>
             <a:endParaRPr lang="en-US"/>
           </a:p>
@@ -2676,7 +2676,7 @@
           <a:p>
             <a:fld id="{034D05EE-0391-1E4B-B037-C1AAAC49336B}" type="datetimeFigureOut">
               <a:rPr lang="en-US" smtClean="0"/>
-              <a:t>12/13/16</a:t>
+              <a:t>12/16/16</a:t>
             </a:fld>
             <a:endParaRPr lang="en-US"/>
           </a:p>
@@ -2771,7 +2771,7 @@
           <a:p>
             <a:fld id="{034D05EE-0391-1E4B-B037-C1AAAC49336B}" type="datetimeFigureOut">
               <a:rPr lang="en-US" smtClean="0"/>
-              <a:t>12/13/16</a:t>
+              <a:t>12/16/16</a:t>
             </a:fld>
             <a:endParaRPr lang="en-US"/>
           </a:p>
@@ -3048,7 +3048,7 @@
           <a:p>
             <a:fld id="{034D05EE-0391-1E4B-B037-C1AAAC49336B}" type="datetimeFigureOut">
               <a:rPr lang="en-US" smtClean="0"/>
-              <a:t>12/13/16</a:t>
+              <a:t>12/16/16</a:t>
             </a:fld>
             <a:endParaRPr lang="en-US"/>
           </a:p>
@@ -3305,7 +3305,7 @@
           <a:p>
             <a:fld id="{034D05EE-0391-1E4B-B037-C1AAAC49336B}" type="datetimeFigureOut">
               <a:rPr lang="en-US" smtClean="0"/>
-              <a:t>12/13/16</a:t>
+              <a:t>12/16/16</a:t>
             </a:fld>
             <a:endParaRPr lang="en-US"/>
           </a:p>
@@ -3518,7 +3518,7 @@
           <a:p>
             <a:fld id="{034D05EE-0391-1E4B-B037-C1AAAC49336B}" type="datetimeFigureOut">
               <a:rPr lang="en-US" smtClean="0"/>
-              <a:t>12/13/16</a:t>
+              <a:t>12/16/16</a:t>
             </a:fld>
             <a:endParaRPr lang="en-US"/>
           </a:p>
@@ -4261,7 +4261,6 @@
               <a:rPr lang="ko-KR" altLang="en-US" dirty="0" smtClean="0"/>
               <a:t>시연</a:t>
             </a:r>
-            <a:endParaRPr lang="ko-KR" altLang="en-US" dirty="0" smtClean="0"/>
           </a:p>
           <a:p>
             <a:endParaRPr lang="en-US" dirty="0"/>
@@ -4739,7 +4738,15 @@
                 <a:ea typeface="Nanum Gothic" charset="-127"/>
                 <a:cs typeface="Nanum Gothic" charset="-127"/>
               </a:rPr>
-              <a:t>(TX 1)</a:t>
+              <a:t>(TX </a:t>
+            </a:r>
+            <a:r>
+              <a:rPr lang="en-US" altLang="ko-KR" dirty="0" smtClean="0">
+                <a:latin typeface="Nanum Gothic" charset="-127"/>
+                <a:ea typeface="Nanum Gothic" charset="-127"/>
+                <a:cs typeface="Nanum Gothic" charset="-127"/>
+              </a:rPr>
+              <a:t>0)</a:t>
             </a:r>
             <a:r>
               <a:rPr lang="ko-KR" altLang="en-US" dirty="0" smtClean="0">
@@ -4747,7 +4754,15 @@
                 <a:ea typeface="Nanum Gothic" charset="-127"/>
                 <a:cs typeface="Nanum Gothic" charset="-127"/>
               </a:rPr>
-              <a:t> 을 통해 미디 신호를 송출</a:t>
+              <a:t> </a:t>
+            </a:r>
+            <a:r>
+              <a:rPr lang="ko-KR" altLang="en-US" dirty="0" smtClean="0">
+                <a:latin typeface="Nanum Gothic" charset="-127"/>
+                <a:ea typeface="Nanum Gothic" charset="-127"/>
+                <a:cs typeface="Nanum Gothic" charset="-127"/>
+              </a:rPr>
+              <a:t>을 통해 미디 신호를 송출</a:t>
             </a:r>
             <a:r>
               <a:rPr lang="en-US" altLang="ko-KR" dirty="0" smtClean="0">
